--- a/se2presentation.pptx
+++ b/se2presentation.pptx
@@ -6,11 +6,13 @@
   </p:sldMasterIdLst>
   <p:sldIdLst>
     <p:sldId id="256" r:id="rId2"/>
-    <p:sldId id="261" r:id="rId3"/>
-    <p:sldId id="257" r:id="rId4"/>
-    <p:sldId id="258" r:id="rId5"/>
-    <p:sldId id="259" r:id="rId6"/>
-    <p:sldId id="260" r:id="rId7"/>
+    <p:sldId id="263" r:id="rId3"/>
+    <p:sldId id="262" r:id="rId4"/>
+    <p:sldId id="261" r:id="rId5"/>
+    <p:sldId id="266" r:id="rId6"/>
+    <p:sldId id="265" r:id="rId7"/>
+    <p:sldId id="264" r:id="rId8"/>
+    <p:sldId id="259" r:id="rId9"/>
   </p:sldIdLst>
   <p:sldSz cx="12192000" cy="6858000"/>
   <p:notesSz cx="6858000" cy="9144000"/>
@@ -109,7 +111,3025 @@
       </a:defRPr>
     </a:lvl9pPr>
   </p:defaultTextStyle>
+  <p:extLst>
+    <p:ext uri="{EFAFB233-063F-42B5-8137-9DF3F51BA10A}">
+      <p15:sldGuideLst xmlns:p15="http://schemas.microsoft.com/office/powerpoint/2012/main"/>
+    </p:ext>
+  </p:extLst>
 </p:presentation>
+</file>
+
+<file path=ppt/commentAuthors.xml><?xml version="1.0" encoding="utf-8"?>
+<p:cmAuthorLst xmlns:a="http://schemas.openxmlformats.org/drawingml/2006/main" xmlns:r="http://schemas.openxmlformats.org/officeDocument/2006/relationships" xmlns:p="http://schemas.openxmlformats.org/presentationml/2006/main">
+  <p:cmAuthor id="1" name="Jarred" initials="J" lastIdx="2" clrIdx="0">
+    <p:extLst>
+      <p:ext uri="{19B8F6BF-5375-455C-9EA6-DF929625EA0E}">
+        <p15:presenceInfo xmlns:p15="http://schemas.microsoft.com/office/powerpoint/2012/main" userId="Jarred" providerId="None"/>
+      </p:ext>
+    </p:extLst>
+  </p:cmAuthor>
+</p:cmAuthorLst>
+</file>
+
+<file path=ppt/charts/chart1.xml><?xml version="1.0" encoding="utf-8"?>
+<c:chartSpace xmlns:c="http://schemas.openxmlformats.org/drawingml/2006/chart" xmlns:a="http://schemas.openxmlformats.org/drawingml/2006/main" xmlns:r="http://schemas.openxmlformats.org/officeDocument/2006/relationships" xmlns:c16r2="http://schemas.microsoft.com/office/drawing/2015/06/chart">
+  <c:date1904 val="0"/>
+  <c:lang val="en-US"/>
+  <c:roundedCorners val="0"/>
+  <mc:AlternateContent xmlns:mc="http://schemas.openxmlformats.org/markup-compatibility/2006">
+    <mc:Choice xmlns:c14="http://schemas.microsoft.com/office/drawing/2007/8/2/chart" Requires="c14">
+      <c14:style val="102"/>
+    </mc:Choice>
+    <mc:Fallback>
+      <c:style val="2"/>
+    </mc:Fallback>
+  </mc:AlternateContent>
+  <c:chart>
+    <c:title>
+      <c:tx>
+        <c:rich>
+          <a:bodyPr rot="0" spcFirstLastPara="1" vertOverflow="ellipsis" vert="horz" wrap="square" anchor="ctr" anchorCtr="1"/>
+          <a:lstStyle/>
+          <a:p>
+            <a:pPr>
+              <a:defRPr sz="1400" b="0" i="0" u="none" strike="noStrike" kern="1200" spc="0" baseline="0">
+                <a:solidFill>
+                  <a:schemeClr val="tx1">
+                    <a:lumMod val="65000"/>
+                    <a:lumOff val="35000"/>
+                  </a:schemeClr>
+                </a:solidFill>
+                <a:latin typeface="+mn-lt"/>
+                <a:ea typeface="+mn-ea"/>
+                <a:cs typeface="+mn-cs"/>
+              </a:defRPr>
+            </a:pPr>
+            <a:r>
+              <a:rPr lang="en-US"/>
+              <a:t>C++</a:t>
+            </a:r>
+            <a:r>
+              <a:rPr lang="en-US" baseline="0"/>
+              <a:t> Speedup Runtimes</a:t>
+            </a:r>
+            <a:endParaRPr lang="en-US"/>
+          </a:p>
+        </c:rich>
+      </c:tx>
+      <c:overlay val="0"/>
+      <c:spPr>
+        <a:noFill/>
+        <a:ln>
+          <a:noFill/>
+        </a:ln>
+        <a:effectLst/>
+      </c:spPr>
+      <c:txPr>
+        <a:bodyPr rot="0" spcFirstLastPara="1" vertOverflow="ellipsis" vert="horz" wrap="square" anchor="ctr" anchorCtr="1"/>
+        <a:lstStyle/>
+        <a:p>
+          <a:pPr>
+            <a:defRPr sz="1400" b="0" i="0" u="none" strike="noStrike" kern="1200" spc="0" baseline="0">
+              <a:solidFill>
+                <a:schemeClr val="tx1">
+                  <a:lumMod val="65000"/>
+                  <a:lumOff val="35000"/>
+                </a:schemeClr>
+              </a:solidFill>
+              <a:latin typeface="+mn-lt"/>
+              <a:ea typeface="+mn-ea"/>
+              <a:cs typeface="+mn-cs"/>
+            </a:defRPr>
+          </a:pPr>
+          <a:endParaRPr lang="en-US"/>
+        </a:p>
+      </c:txPr>
+    </c:title>
+    <c:autoTitleDeleted val="0"/>
+    <c:plotArea>
+      <c:layout/>
+      <c:barChart>
+        <c:barDir val="col"/>
+        <c:grouping val="clustered"/>
+        <c:varyColors val="0"/>
+        <c:ser>
+          <c:idx val="0"/>
+          <c:order val="0"/>
+          <c:tx>
+            <c:v>CvsC</c:v>
+          </c:tx>
+          <c:spPr>
+            <a:solidFill>
+              <a:schemeClr val="accent1"/>
+            </a:solidFill>
+            <a:ln>
+              <a:noFill/>
+            </a:ln>
+            <a:effectLst/>
+          </c:spPr>
+          <c:invertIfNegative val="0"/>
+          <c:cat>
+            <c:strRef>
+              <c:f>Parallel!$D$69:$D$72</c:f>
+              <c:strCache>
+                <c:ptCount val="4"/>
+                <c:pt idx="0">
+                  <c:v>No Changes with BG</c:v>
+                </c:pt>
+                <c:pt idx="1">
+                  <c:v>Changes with BG</c:v>
+                </c:pt>
+                <c:pt idx="2">
+                  <c:v>No Changes, No BG</c:v>
+                </c:pt>
+                <c:pt idx="3">
+                  <c:v>Changes, No BG</c:v>
+                </c:pt>
+              </c:strCache>
+            </c:strRef>
+          </c:cat>
+          <c:val>
+            <c:numRef>
+              <c:f>Parallel!$A$60:$D$60</c:f>
+              <c:numCache>
+                <c:formatCode>General</c:formatCode>
+                <c:ptCount val="4"/>
+                <c:pt idx="0">
+                  <c:v>732.08999999999992</c:v>
+                </c:pt>
+                <c:pt idx="1">
+                  <c:v>737.57400000000007</c:v>
+                </c:pt>
+                <c:pt idx="2">
+                  <c:v>692.32199999999989</c:v>
+                </c:pt>
+                <c:pt idx="3">
+                  <c:v>691.14599999999996</c:v>
+                </c:pt>
+              </c:numCache>
+            </c:numRef>
+          </c:val>
+          <c:extLst>
+            <c:ext xmlns:c16="http://schemas.microsoft.com/office/drawing/2014/chart" uri="{C3380CC4-5D6E-409C-BE32-E72D297353CC}">
+              <c16:uniqueId val="{00000000-03FE-4783-A8B8-A4BE2F8640D8}"/>
+            </c:ext>
+          </c:extLst>
+        </c:ser>
+        <c:dLbls>
+          <c:showLegendKey val="0"/>
+          <c:showVal val="0"/>
+          <c:showCatName val="0"/>
+          <c:showSerName val="0"/>
+          <c:showPercent val="0"/>
+          <c:showBubbleSize val="0"/>
+        </c:dLbls>
+        <c:gapWidth val="219"/>
+        <c:overlap val="-27"/>
+        <c:axId val="379813664"/>
+        <c:axId val="379815304"/>
+      </c:barChart>
+      <c:catAx>
+        <c:axId val="379813664"/>
+        <c:scaling>
+          <c:orientation val="minMax"/>
+        </c:scaling>
+        <c:delete val="0"/>
+        <c:axPos val="b"/>
+        <c:title>
+          <c:tx>
+            <c:rich>
+              <a:bodyPr rot="0" spcFirstLastPara="1" vertOverflow="ellipsis" vert="horz" wrap="square" anchor="ctr" anchorCtr="1"/>
+              <a:lstStyle/>
+              <a:p>
+                <a:pPr>
+                  <a:defRPr sz="1000" b="0" i="0" u="none" strike="noStrike" kern="1200" baseline="0">
+                    <a:solidFill>
+                      <a:schemeClr val="tx1">
+                        <a:lumMod val="65000"/>
+                        <a:lumOff val="35000"/>
+                      </a:schemeClr>
+                    </a:solidFill>
+                    <a:latin typeface="+mn-lt"/>
+                    <a:ea typeface="+mn-ea"/>
+                    <a:cs typeface="+mn-cs"/>
+                  </a:defRPr>
+                </a:pPr>
+                <a:r>
+                  <a:rPr lang="en-US"/>
+                  <a:t>Run Type</a:t>
+                </a:r>
+              </a:p>
+            </c:rich>
+          </c:tx>
+          <c:overlay val="0"/>
+          <c:spPr>
+            <a:noFill/>
+            <a:ln>
+              <a:noFill/>
+            </a:ln>
+            <a:effectLst/>
+          </c:spPr>
+          <c:txPr>
+            <a:bodyPr rot="0" spcFirstLastPara="1" vertOverflow="ellipsis" vert="horz" wrap="square" anchor="ctr" anchorCtr="1"/>
+            <a:lstStyle/>
+            <a:p>
+              <a:pPr>
+                <a:defRPr sz="1000" b="0" i="0" u="none" strike="noStrike" kern="1200" baseline="0">
+                  <a:solidFill>
+                    <a:schemeClr val="tx1">
+                      <a:lumMod val="65000"/>
+                      <a:lumOff val="35000"/>
+                    </a:schemeClr>
+                  </a:solidFill>
+                  <a:latin typeface="+mn-lt"/>
+                  <a:ea typeface="+mn-ea"/>
+                  <a:cs typeface="+mn-cs"/>
+                </a:defRPr>
+              </a:pPr>
+              <a:endParaRPr lang="en-US"/>
+            </a:p>
+          </c:txPr>
+        </c:title>
+        <c:numFmt formatCode="General" sourceLinked="1"/>
+        <c:majorTickMark val="none"/>
+        <c:minorTickMark val="none"/>
+        <c:tickLblPos val="nextTo"/>
+        <c:spPr>
+          <a:noFill/>
+          <a:ln w="9525" cap="flat" cmpd="sng" algn="ctr">
+            <a:solidFill>
+              <a:schemeClr val="tx1">
+                <a:lumMod val="15000"/>
+                <a:lumOff val="85000"/>
+              </a:schemeClr>
+            </a:solidFill>
+            <a:round/>
+          </a:ln>
+          <a:effectLst/>
+        </c:spPr>
+        <c:txPr>
+          <a:bodyPr rot="-60000000" spcFirstLastPara="1" vertOverflow="ellipsis" vert="horz" wrap="square" anchor="ctr" anchorCtr="1"/>
+          <a:lstStyle/>
+          <a:p>
+            <a:pPr>
+              <a:defRPr sz="900" b="0" i="0" u="none" strike="noStrike" kern="1200" baseline="0">
+                <a:solidFill>
+                  <a:schemeClr val="tx1">
+                    <a:lumMod val="65000"/>
+                    <a:lumOff val="35000"/>
+                  </a:schemeClr>
+                </a:solidFill>
+                <a:latin typeface="+mn-lt"/>
+                <a:ea typeface="+mn-ea"/>
+                <a:cs typeface="+mn-cs"/>
+              </a:defRPr>
+            </a:pPr>
+            <a:endParaRPr lang="en-US"/>
+          </a:p>
+        </c:txPr>
+        <c:crossAx val="379815304"/>
+        <c:crosses val="autoZero"/>
+        <c:auto val="1"/>
+        <c:lblAlgn val="ctr"/>
+        <c:lblOffset val="100"/>
+        <c:noMultiLvlLbl val="0"/>
+      </c:catAx>
+      <c:valAx>
+        <c:axId val="379815304"/>
+        <c:scaling>
+          <c:orientation val="minMax"/>
+        </c:scaling>
+        <c:delete val="0"/>
+        <c:axPos val="l"/>
+        <c:majorGridlines>
+          <c:spPr>
+            <a:ln w="9525" cap="flat" cmpd="sng" algn="ctr">
+              <a:solidFill>
+                <a:schemeClr val="tx1">
+                  <a:lumMod val="15000"/>
+                  <a:lumOff val="85000"/>
+                </a:schemeClr>
+              </a:solidFill>
+              <a:round/>
+            </a:ln>
+            <a:effectLst/>
+          </c:spPr>
+        </c:majorGridlines>
+        <c:title>
+          <c:tx>
+            <c:rich>
+              <a:bodyPr rot="-5400000" spcFirstLastPara="1" vertOverflow="ellipsis" vert="horz" wrap="square" anchor="ctr" anchorCtr="1"/>
+              <a:lstStyle/>
+              <a:p>
+                <a:pPr>
+                  <a:defRPr sz="1000" b="0" i="0" u="none" strike="noStrike" kern="1200" baseline="0">
+                    <a:solidFill>
+                      <a:schemeClr val="tx1">
+                        <a:lumMod val="65000"/>
+                        <a:lumOff val="35000"/>
+                      </a:schemeClr>
+                    </a:solidFill>
+                    <a:latin typeface="+mn-lt"/>
+                    <a:ea typeface="+mn-ea"/>
+                    <a:cs typeface="+mn-cs"/>
+                  </a:defRPr>
+                </a:pPr>
+                <a:r>
+                  <a:rPr lang="en-US"/>
+                  <a:t>Runtime (seconds)</a:t>
+                </a:r>
+              </a:p>
+            </c:rich>
+          </c:tx>
+          <c:overlay val="0"/>
+          <c:spPr>
+            <a:noFill/>
+            <a:ln>
+              <a:noFill/>
+            </a:ln>
+            <a:effectLst/>
+          </c:spPr>
+          <c:txPr>
+            <a:bodyPr rot="-5400000" spcFirstLastPara="1" vertOverflow="ellipsis" vert="horz" wrap="square" anchor="ctr" anchorCtr="1"/>
+            <a:lstStyle/>
+            <a:p>
+              <a:pPr>
+                <a:defRPr sz="1000" b="0" i="0" u="none" strike="noStrike" kern="1200" baseline="0">
+                  <a:solidFill>
+                    <a:schemeClr val="tx1">
+                      <a:lumMod val="65000"/>
+                      <a:lumOff val="35000"/>
+                    </a:schemeClr>
+                  </a:solidFill>
+                  <a:latin typeface="+mn-lt"/>
+                  <a:ea typeface="+mn-ea"/>
+                  <a:cs typeface="+mn-cs"/>
+                </a:defRPr>
+              </a:pPr>
+              <a:endParaRPr lang="en-US"/>
+            </a:p>
+          </c:txPr>
+        </c:title>
+        <c:numFmt formatCode="General" sourceLinked="1"/>
+        <c:majorTickMark val="none"/>
+        <c:minorTickMark val="none"/>
+        <c:tickLblPos val="nextTo"/>
+        <c:spPr>
+          <a:noFill/>
+          <a:ln>
+            <a:noFill/>
+          </a:ln>
+          <a:effectLst/>
+        </c:spPr>
+        <c:txPr>
+          <a:bodyPr rot="-60000000" spcFirstLastPara="1" vertOverflow="ellipsis" vert="horz" wrap="square" anchor="ctr" anchorCtr="1"/>
+          <a:lstStyle/>
+          <a:p>
+            <a:pPr>
+              <a:defRPr sz="900" b="0" i="0" u="none" strike="noStrike" kern="1200" baseline="0">
+                <a:solidFill>
+                  <a:schemeClr val="tx1">
+                    <a:lumMod val="65000"/>
+                    <a:lumOff val="35000"/>
+                  </a:schemeClr>
+                </a:solidFill>
+                <a:latin typeface="+mn-lt"/>
+                <a:ea typeface="+mn-ea"/>
+                <a:cs typeface="+mn-cs"/>
+              </a:defRPr>
+            </a:pPr>
+            <a:endParaRPr lang="en-US"/>
+          </a:p>
+        </c:txPr>
+        <c:crossAx val="379813664"/>
+        <c:crosses val="autoZero"/>
+        <c:crossBetween val="between"/>
+      </c:valAx>
+      <c:spPr>
+        <a:noFill/>
+        <a:ln>
+          <a:noFill/>
+        </a:ln>
+        <a:effectLst/>
+      </c:spPr>
+    </c:plotArea>
+    <c:plotVisOnly val="1"/>
+    <c:dispBlanksAs val="gap"/>
+    <c:showDLblsOverMax val="0"/>
+  </c:chart>
+  <c:spPr>
+    <a:solidFill>
+      <a:schemeClr val="bg2">
+        <a:lumMod val="50000"/>
+      </a:schemeClr>
+    </a:solidFill>
+    <a:ln>
+      <a:noFill/>
+    </a:ln>
+    <a:effectLst/>
+  </c:spPr>
+  <c:txPr>
+    <a:bodyPr/>
+    <a:lstStyle/>
+    <a:p>
+      <a:pPr>
+        <a:defRPr/>
+      </a:pPr>
+      <a:endParaRPr lang="en-US"/>
+    </a:p>
+  </c:txPr>
+  <c:externalData r:id="rId3">
+    <c:autoUpdate val="0"/>
+  </c:externalData>
+</c:chartSpace>
+</file>
+
+<file path=ppt/charts/chart2.xml><?xml version="1.0" encoding="utf-8"?>
+<c:chartSpace xmlns:c="http://schemas.openxmlformats.org/drawingml/2006/chart" xmlns:a="http://schemas.openxmlformats.org/drawingml/2006/main" xmlns:r="http://schemas.openxmlformats.org/officeDocument/2006/relationships" xmlns:c16r2="http://schemas.microsoft.com/office/drawing/2015/06/chart">
+  <c:date1904 val="0"/>
+  <c:lang val="en-US"/>
+  <c:roundedCorners val="0"/>
+  <mc:AlternateContent xmlns:mc="http://schemas.openxmlformats.org/markup-compatibility/2006">
+    <mc:Choice xmlns:c14="http://schemas.microsoft.com/office/drawing/2007/8/2/chart" Requires="c14">
+      <c14:style val="102"/>
+    </mc:Choice>
+    <mc:Fallback>
+      <c:style val="2"/>
+    </mc:Fallback>
+  </mc:AlternateContent>
+  <c:chart>
+    <c:title>
+      <c:tx>
+        <c:rich>
+          <a:bodyPr rot="0" spcFirstLastPara="1" vertOverflow="ellipsis" vert="horz" wrap="square" anchor="ctr" anchorCtr="1"/>
+          <a:lstStyle/>
+          <a:p>
+            <a:pPr>
+              <a:defRPr sz="1862" b="0" i="0" u="none" strike="noStrike" kern="1200" spc="0" baseline="0">
+                <a:solidFill>
+                  <a:schemeClr val="tx1">
+                    <a:lumMod val="65000"/>
+                    <a:lumOff val="35000"/>
+                  </a:schemeClr>
+                </a:solidFill>
+                <a:latin typeface="+mn-lt"/>
+                <a:ea typeface="+mn-ea"/>
+                <a:cs typeface="+mn-cs"/>
+              </a:defRPr>
+            </a:pPr>
+            <a:r>
+              <a:rPr lang="en-US"/>
+              <a:t>Original Runtime vs C++ Conversion</a:t>
+            </a:r>
+          </a:p>
+        </c:rich>
+      </c:tx>
+      <c:overlay val="0"/>
+      <c:spPr>
+        <a:noFill/>
+        <a:ln>
+          <a:noFill/>
+        </a:ln>
+        <a:effectLst/>
+      </c:spPr>
+      <c:txPr>
+        <a:bodyPr rot="0" spcFirstLastPara="1" vertOverflow="ellipsis" vert="horz" wrap="square" anchor="ctr" anchorCtr="1"/>
+        <a:lstStyle/>
+        <a:p>
+          <a:pPr>
+            <a:defRPr sz="1862" b="0" i="0" u="none" strike="noStrike" kern="1200" spc="0" baseline="0">
+              <a:solidFill>
+                <a:schemeClr val="tx1">
+                  <a:lumMod val="65000"/>
+                  <a:lumOff val="35000"/>
+                </a:schemeClr>
+              </a:solidFill>
+              <a:latin typeface="+mn-lt"/>
+              <a:ea typeface="+mn-ea"/>
+              <a:cs typeface="+mn-cs"/>
+            </a:defRPr>
+          </a:pPr>
+          <a:endParaRPr lang="en-US"/>
+        </a:p>
+      </c:txPr>
+    </c:title>
+    <c:autoTitleDeleted val="0"/>
+    <c:plotArea>
+      <c:layout/>
+      <c:barChart>
+        <c:barDir val="col"/>
+        <c:grouping val="clustered"/>
+        <c:varyColors val="0"/>
+        <c:ser>
+          <c:idx val="0"/>
+          <c:order val="0"/>
+          <c:tx>
+            <c:v>CvsNoC</c:v>
+          </c:tx>
+          <c:spPr>
+            <a:solidFill>
+              <a:schemeClr val="accent1"/>
+            </a:solidFill>
+            <a:ln>
+              <a:noFill/>
+            </a:ln>
+            <a:effectLst/>
+          </c:spPr>
+          <c:invertIfNegative val="0"/>
+          <c:dLbls>
+            <c:spPr>
+              <a:noFill/>
+              <a:ln>
+                <a:noFill/>
+              </a:ln>
+              <a:effectLst/>
+            </c:spPr>
+            <c:txPr>
+              <a:bodyPr rot="0" spcFirstLastPara="1" vertOverflow="ellipsis" vert="horz" wrap="square" lIns="38100" tIns="19050" rIns="38100" bIns="19050" anchor="ctr" anchorCtr="1">
+                <a:spAutoFit/>
+              </a:bodyPr>
+              <a:lstStyle/>
+              <a:p>
+                <a:pPr>
+                  <a:defRPr sz="1197" b="0" i="0" u="none" strike="noStrike" kern="1200" baseline="0">
+                    <a:solidFill>
+                      <a:schemeClr val="tx1">
+                        <a:lumMod val="75000"/>
+                        <a:lumOff val="25000"/>
+                      </a:schemeClr>
+                    </a:solidFill>
+                    <a:latin typeface="+mn-lt"/>
+                    <a:ea typeface="+mn-ea"/>
+                    <a:cs typeface="+mn-cs"/>
+                  </a:defRPr>
+                </a:pPr>
+                <a:endParaRPr lang="en-US"/>
+              </a:p>
+            </c:txPr>
+            <c:dLblPos val="outEnd"/>
+            <c:showLegendKey val="0"/>
+            <c:showVal val="1"/>
+            <c:showCatName val="0"/>
+            <c:showSerName val="0"/>
+            <c:showPercent val="0"/>
+            <c:showBubbleSize val="0"/>
+            <c:showLeaderLines val="0"/>
+            <c:extLst>
+              <c:ext xmlns:c15="http://schemas.microsoft.com/office/drawing/2012/chart" uri="{CE6537A1-D6FC-4f65-9D91-7224C49458BB}">
+                <c15:showLeaderLines val="1"/>
+                <c15:leaderLines>
+                  <c:spPr>
+                    <a:ln w="9525" cap="flat" cmpd="sng" algn="ctr">
+                      <a:solidFill>
+                        <a:schemeClr val="tx1">
+                          <a:lumMod val="35000"/>
+                          <a:lumOff val="65000"/>
+                        </a:schemeClr>
+                      </a:solidFill>
+                      <a:round/>
+                    </a:ln>
+                    <a:effectLst/>
+                  </c:spPr>
+                </c15:leaderLines>
+              </c:ext>
+            </c:extLst>
+          </c:dLbls>
+          <c:cat>
+            <c:strRef>
+              <c:f>Parallel!$A$33:$A$34</c:f>
+              <c:strCache>
+                <c:ptCount val="2"/>
+                <c:pt idx="0">
+                  <c:v>Original</c:v>
+                </c:pt>
+                <c:pt idx="1">
+                  <c:v>C++ Conversion</c:v>
+                </c:pt>
+              </c:strCache>
+            </c:strRef>
+          </c:cat>
+          <c:val>
+            <c:numRef>
+              <c:f>Parallel!$C$33:$C$34</c:f>
+              <c:numCache>
+                <c:formatCode>General</c:formatCode>
+                <c:ptCount val="2"/>
+                <c:pt idx="0">
+                  <c:v>519.69000000000005</c:v>
+                </c:pt>
+                <c:pt idx="1">
+                  <c:v>561.05700000000002</c:v>
+                </c:pt>
+              </c:numCache>
+            </c:numRef>
+          </c:val>
+          <c:extLst>
+            <c:ext xmlns:c16="http://schemas.microsoft.com/office/drawing/2014/chart" uri="{C3380CC4-5D6E-409C-BE32-E72D297353CC}">
+              <c16:uniqueId val="{00000000-9FC7-44A8-BDE1-ED51D2E58FCE}"/>
+            </c:ext>
+          </c:extLst>
+        </c:ser>
+        <c:dLbls>
+          <c:dLblPos val="outEnd"/>
+          <c:showLegendKey val="0"/>
+          <c:showVal val="1"/>
+          <c:showCatName val="0"/>
+          <c:showSerName val="0"/>
+          <c:showPercent val="0"/>
+          <c:showBubbleSize val="0"/>
+        </c:dLbls>
+        <c:gapWidth val="219"/>
+        <c:overlap val="-27"/>
+        <c:axId val="375030064"/>
+        <c:axId val="370758080"/>
+      </c:barChart>
+      <c:catAx>
+        <c:axId val="375030064"/>
+        <c:scaling>
+          <c:orientation val="minMax"/>
+        </c:scaling>
+        <c:delete val="0"/>
+        <c:axPos val="b"/>
+        <c:title>
+          <c:tx>
+            <c:rich>
+              <a:bodyPr rot="0" spcFirstLastPara="1" vertOverflow="ellipsis" vert="horz" wrap="square" anchor="ctr" anchorCtr="1"/>
+              <a:lstStyle/>
+              <a:p>
+                <a:pPr>
+                  <a:defRPr sz="1330" b="0" i="0" u="none" strike="noStrike" kern="1200" baseline="0">
+                    <a:solidFill>
+                      <a:schemeClr val="tx1">
+                        <a:lumMod val="65000"/>
+                        <a:lumOff val="35000"/>
+                      </a:schemeClr>
+                    </a:solidFill>
+                    <a:latin typeface="+mn-lt"/>
+                    <a:ea typeface="+mn-ea"/>
+                    <a:cs typeface="+mn-cs"/>
+                  </a:defRPr>
+                </a:pPr>
+                <a:r>
+                  <a:rPr lang="en-US"/>
+                  <a:t>Run Type</a:t>
+                </a:r>
+              </a:p>
+            </c:rich>
+          </c:tx>
+          <c:overlay val="0"/>
+          <c:spPr>
+            <a:noFill/>
+            <a:ln>
+              <a:noFill/>
+            </a:ln>
+            <a:effectLst/>
+          </c:spPr>
+          <c:txPr>
+            <a:bodyPr rot="0" spcFirstLastPara="1" vertOverflow="ellipsis" vert="horz" wrap="square" anchor="ctr" anchorCtr="1"/>
+            <a:lstStyle/>
+            <a:p>
+              <a:pPr>
+                <a:defRPr sz="1330" b="0" i="0" u="none" strike="noStrike" kern="1200" baseline="0">
+                  <a:solidFill>
+                    <a:schemeClr val="tx1">
+                      <a:lumMod val="65000"/>
+                      <a:lumOff val="35000"/>
+                    </a:schemeClr>
+                  </a:solidFill>
+                  <a:latin typeface="+mn-lt"/>
+                  <a:ea typeface="+mn-ea"/>
+                  <a:cs typeface="+mn-cs"/>
+                </a:defRPr>
+              </a:pPr>
+              <a:endParaRPr lang="en-US"/>
+            </a:p>
+          </c:txPr>
+        </c:title>
+        <c:numFmt formatCode="General" sourceLinked="1"/>
+        <c:majorTickMark val="none"/>
+        <c:minorTickMark val="none"/>
+        <c:tickLblPos val="nextTo"/>
+        <c:spPr>
+          <a:noFill/>
+          <a:ln w="9525" cap="flat" cmpd="sng" algn="ctr">
+            <a:solidFill>
+              <a:schemeClr val="tx1">
+                <a:lumMod val="15000"/>
+                <a:lumOff val="85000"/>
+              </a:schemeClr>
+            </a:solidFill>
+            <a:round/>
+          </a:ln>
+          <a:effectLst/>
+        </c:spPr>
+        <c:txPr>
+          <a:bodyPr rot="-60000000" spcFirstLastPara="1" vertOverflow="ellipsis" vert="horz" wrap="square" anchor="ctr" anchorCtr="1"/>
+          <a:lstStyle/>
+          <a:p>
+            <a:pPr>
+              <a:defRPr sz="1197" b="0" i="0" u="none" strike="noStrike" kern="1200" baseline="0">
+                <a:solidFill>
+                  <a:schemeClr val="tx1">
+                    <a:lumMod val="65000"/>
+                    <a:lumOff val="35000"/>
+                  </a:schemeClr>
+                </a:solidFill>
+                <a:latin typeface="+mn-lt"/>
+                <a:ea typeface="+mn-ea"/>
+                <a:cs typeface="+mn-cs"/>
+              </a:defRPr>
+            </a:pPr>
+            <a:endParaRPr lang="en-US"/>
+          </a:p>
+        </c:txPr>
+        <c:crossAx val="370758080"/>
+        <c:crosses val="autoZero"/>
+        <c:auto val="1"/>
+        <c:lblAlgn val="ctr"/>
+        <c:lblOffset val="100"/>
+        <c:noMultiLvlLbl val="0"/>
+      </c:catAx>
+      <c:valAx>
+        <c:axId val="370758080"/>
+        <c:scaling>
+          <c:orientation val="minMax"/>
+        </c:scaling>
+        <c:delete val="0"/>
+        <c:axPos val="l"/>
+        <c:majorGridlines>
+          <c:spPr>
+            <a:ln w="9525" cap="flat" cmpd="sng" algn="ctr">
+              <a:solidFill>
+                <a:schemeClr val="tx1">
+                  <a:lumMod val="15000"/>
+                  <a:lumOff val="85000"/>
+                </a:schemeClr>
+              </a:solidFill>
+              <a:round/>
+            </a:ln>
+            <a:effectLst/>
+          </c:spPr>
+        </c:majorGridlines>
+        <c:title>
+          <c:tx>
+            <c:rich>
+              <a:bodyPr rot="-5400000" spcFirstLastPara="1" vertOverflow="ellipsis" vert="horz" wrap="square" anchor="ctr" anchorCtr="1"/>
+              <a:lstStyle/>
+              <a:p>
+                <a:pPr>
+                  <a:defRPr sz="1330" b="0" i="0" u="none" strike="noStrike" kern="1200" baseline="0">
+                    <a:solidFill>
+                      <a:schemeClr val="tx1">
+                        <a:lumMod val="65000"/>
+                        <a:lumOff val="35000"/>
+                      </a:schemeClr>
+                    </a:solidFill>
+                    <a:latin typeface="+mn-lt"/>
+                    <a:ea typeface="+mn-ea"/>
+                    <a:cs typeface="+mn-cs"/>
+                  </a:defRPr>
+                </a:pPr>
+                <a:r>
+                  <a:rPr lang="en-US"/>
+                  <a:t>Runtime (seconds)</a:t>
+                </a:r>
+              </a:p>
+            </c:rich>
+          </c:tx>
+          <c:overlay val="0"/>
+          <c:spPr>
+            <a:noFill/>
+            <a:ln>
+              <a:noFill/>
+            </a:ln>
+            <a:effectLst/>
+          </c:spPr>
+          <c:txPr>
+            <a:bodyPr rot="-5400000" spcFirstLastPara="1" vertOverflow="ellipsis" vert="horz" wrap="square" anchor="ctr" anchorCtr="1"/>
+            <a:lstStyle/>
+            <a:p>
+              <a:pPr>
+                <a:defRPr sz="1330" b="0" i="0" u="none" strike="noStrike" kern="1200" baseline="0">
+                  <a:solidFill>
+                    <a:schemeClr val="tx1">
+                      <a:lumMod val="65000"/>
+                      <a:lumOff val="35000"/>
+                    </a:schemeClr>
+                  </a:solidFill>
+                  <a:latin typeface="+mn-lt"/>
+                  <a:ea typeface="+mn-ea"/>
+                  <a:cs typeface="+mn-cs"/>
+                </a:defRPr>
+              </a:pPr>
+              <a:endParaRPr lang="en-US"/>
+            </a:p>
+          </c:txPr>
+        </c:title>
+        <c:numFmt formatCode="General" sourceLinked="1"/>
+        <c:majorTickMark val="none"/>
+        <c:minorTickMark val="none"/>
+        <c:tickLblPos val="nextTo"/>
+        <c:spPr>
+          <a:noFill/>
+          <a:ln>
+            <a:noFill/>
+          </a:ln>
+          <a:effectLst/>
+        </c:spPr>
+        <c:txPr>
+          <a:bodyPr rot="-60000000" spcFirstLastPara="1" vertOverflow="ellipsis" vert="horz" wrap="square" anchor="ctr" anchorCtr="1"/>
+          <a:lstStyle/>
+          <a:p>
+            <a:pPr>
+              <a:defRPr sz="1197" b="0" i="0" u="none" strike="noStrike" kern="1200" baseline="0">
+                <a:solidFill>
+                  <a:schemeClr val="tx1">
+                    <a:lumMod val="65000"/>
+                    <a:lumOff val="35000"/>
+                  </a:schemeClr>
+                </a:solidFill>
+                <a:latin typeface="+mn-lt"/>
+                <a:ea typeface="+mn-ea"/>
+                <a:cs typeface="+mn-cs"/>
+              </a:defRPr>
+            </a:pPr>
+            <a:endParaRPr lang="en-US"/>
+          </a:p>
+        </c:txPr>
+        <c:crossAx val="375030064"/>
+        <c:crosses val="autoZero"/>
+        <c:crossBetween val="between"/>
+      </c:valAx>
+      <c:spPr>
+        <a:noFill/>
+        <a:ln>
+          <a:noFill/>
+        </a:ln>
+        <a:effectLst/>
+      </c:spPr>
+    </c:plotArea>
+    <c:plotVisOnly val="1"/>
+    <c:dispBlanksAs val="gap"/>
+    <c:showDLblsOverMax val="0"/>
+  </c:chart>
+  <c:spPr>
+    <a:solidFill>
+      <a:schemeClr val="bg2">
+        <a:lumMod val="50000"/>
+      </a:schemeClr>
+    </a:solidFill>
+    <a:ln>
+      <a:noFill/>
+    </a:ln>
+    <a:effectLst/>
+  </c:spPr>
+  <c:txPr>
+    <a:bodyPr/>
+    <a:lstStyle/>
+    <a:p>
+      <a:pPr>
+        <a:defRPr/>
+      </a:pPr>
+      <a:endParaRPr lang="en-US"/>
+    </a:p>
+  </c:txPr>
+  <c:externalData r:id="rId3">
+    <c:autoUpdate val="0"/>
+  </c:externalData>
+</c:chartSpace>
+</file>
+
+<file path=ppt/charts/chart3.xml><?xml version="1.0" encoding="utf-8"?>
+<c:chartSpace xmlns:c="http://schemas.openxmlformats.org/drawingml/2006/chart" xmlns:a="http://schemas.openxmlformats.org/drawingml/2006/main" xmlns:r="http://schemas.openxmlformats.org/officeDocument/2006/relationships" xmlns:c16r2="http://schemas.microsoft.com/office/drawing/2015/06/chart">
+  <c:date1904 val="0"/>
+  <c:lang val="en-US"/>
+  <c:roundedCorners val="0"/>
+  <mc:AlternateContent xmlns:mc="http://schemas.openxmlformats.org/markup-compatibility/2006">
+    <mc:Choice xmlns:c14="http://schemas.microsoft.com/office/drawing/2007/8/2/chart" Requires="c14">
+      <c14:style val="102"/>
+    </mc:Choice>
+    <mc:Fallback>
+      <c:style val="2"/>
+    </mc:Fallback>
+  </mc:AlternateContent>
+  <c:chart>
+    <c:title>
+      <c:tx>
+        <c:rich>
+          <a:bodyPr rot="0" spcFirstLastPara="1" vertOverflow="ellipsis" vert="horz" wrap="square" anchor="ctr" anchorCtr="1"/>
+          <a:lstStyle/>
+          <a:p>
+            <a:pPr>
+              <a:defRPr sz="1400" b="0" i="0" u="none" strike="noStrike" kern="1200" spc="0" baseline="0">
+                <a:solidFill>
+                  <a:schemeClr val="tx1">
+                    <a:lumMod val="65000"/>
+                    <a:lumOff val="35000"/>
+                  </a:schemeClr>
+                </a:solidFill>
+                <a:latin typeface="+mn-lt"/>
+                <a:ea typeface="+mn-ea"/>
+                <a:cs typeface="+mn-cs"/>
+              </a:defRPr>
+            </a:pPr>
+            <a:r>
+              <a:rPr lang="en-US"/>
+              <a:t>Core Count vs Runtime</a:t>
+            </a:r>
+          </a:p>
+        </c:rich>
+      </c:tx>
+      <c:overlay val="0"/>
+      <c:spPr>
+        <a:noFill/>
+        <a:ln>
+          <a:noFill/>
+        </a:ln>
+        <a:effectLst/>
+      </c:spPr>
+      <c:txPr>
+        <a:bodyPr rot="0" spcFirstLastPara="1" vertOverflow="ellipsis" vert="horz" wrap="square" anchor="ctr" anchorCtr="1"/>
+        <a:lstStyle/>
+        <a:p>
+          <a:pPr>
+            <a:defRPr sz="1400" b="0" i="0" u="none" strike="noStrike" kern="1200" spc="0" baseline="0">
+              <a:solidFill>
+                <a:schemeClr val="tx1">
+                  <a:lumMod val="65000"/>
+                  <a:lumOff val="35000"/>
+                </a:schemeClr>
+              </a:solidFill>
+              <a:latin typeface="+mn-lt"/>
+              <a:ea typeface="+mn-ea"/>
+              <a:cs typeface="+mn-cs"/>
+            </a:defRPr>
+          </a:pPr>
+          <a:endParaRPr lang="en-US"/>
+        </a:p>
+      </c:txPr>
+    </c:title>
+    <c:autoTitleDeleted val="0"/>
+    <c:plotArea>
+      <c:layout/>
+      <c:lineChart>
+        <c:grouping val="standard"/>
+        <c:varyColors val="0"/>
+        <c:ser>
+          <c:idx val="0"/>
+          <c:order val="0"/>
+          <c:tx>
+            <c:v>CoreToTime</c:v>
+          </c:tx>
+          <c:spPr>
+            <a:ln w="28575" cap="rnd">
+              <a:solidFill>
+                <a:schemeClr val="accent1"/>
+              </a:solidFill>
+              <a:round/>
+            </a:ln>
+            <a:effectLst/>
+          </c:spPr>
+          <c:marker>
+            <c:symbol val="none"/>
+          </c:marker>
+          <c:dLbls>
+            <c:dLbl>
+              <c:idx val="1"/>
+              <c:layout>
+                <c:manualLayout>
+                  <c:x val="-3.1031964649020614E-2"/>
+                  <c:y val="-4.9522570742467888E-2"/>
+                </c:manualLayout>
+              </c:layout>
+              <c:dLblPos val="r"/>
+              <c:showLegendKey val="0"/>
+              <c:showVal val="1"/>
+              <c:showCatName val="0"/>
+              <c:showSerName val="0"/>
+              <c:showPercent val="0"/>
+              <c:showBubbleSize val="0"/>
+              <c:extLst>
+                <c:ext xmlns:c15="http://schemas.microsoft.com/office/drawing/2012/chart" uri="{CE6537A1-D6FC-4f65-9D91-7224C49458BB}"/>
+                <c:ext xmlns:c16="http://schemas.microsoft.com/office/drawing/2014/chart" uri="{C3380CC4-5D6E-409C-BE32-E72D297353CC}">
+                  <c16:uniqueId val="{00000001-6E26-4AEF-92F2-A929CB3E80A6}"/>
+                </c:ext>
+              </c:extLst>
+            </c:dLbl>
+            <c:spPr>
+              <a:noFill/>
+              <a:ln>
+                <a:noFill/>
+              </a:ln>
+              <a:effectLst/>
+            </c:spPr>
+            <c:txPr>
+              <a:bodyPr rot="0" spcFirstLastPara="1" vertOverflow="ellipsis" vert="horz" wrap="square" lIns="38100" tIns="19050" rIns="38100" bIns="19050" anchor="ctr" anchorCtr="1">
+                <a:spAutoFit/>
+              </a:bodyPr>
+              <a:lstStyle/>
+              <a:p>
+                <a:pPr>
+                  <a:defRPr sz="900" b="0" i="0" u="none" strike="noStrike" kern="1200" baseline="0">
+                    <a:solidFill>
+                      <a:schemeClr val="tx1">
+                        <a:lumMod val="75000"/>
+                        <a:lumOff val="25000"/>
+                      </a:schemeClr>
+                    </a:solidFill>
+                    <a:latin typeface="+mn-lt"/>
+                    <a:ea typeface="+mn-ea"/>
+                    <a:cs typeface="+mn-cs"/>
+                  </a:defRPr>
+                </a:pPr>
+                <a:endParaRPr lang="en-US"/>
+              </a:p>
+            </c:txPr>
+            <c:dLblPos val="t"/>
+            <c:showLegendKey val="0"/>
+            <c:showVal val="1"/>
+            <c:showCatName val="0"/>
+            <c:showSerName val="0"/>
+            <c:showPercent val="0"/>
+            <c:showBubbleSize val="0"/>
+            <c:showLeaderLines val="0"/>
+            <c:extLst>
+              <c:ext xmlns:c15="http://schemas.microsoft.com/office/drawing/2012/chart" uri="{CE6537A1-D6FC-4f65-9D91-7224C49458BB}">
+                <c15:showLeaderLines val="1"/>
+                <c15:leaderLines>
+                  <c:spPr>
+                    <a:ln w="9525" cap="flat" cmpd="sng" algn="ctr">
+                      <a:solidFill>
+                        <a:schemeClr val="tx1">
+                          <a:lumMod val="35000"/>
+                          <a:lumOff val="65000"/>
+                        </a:schemeClr>
+                      </a:solidFill>
+                      <a:round/>
+                    </a:ln>
+                    <a:effectLst/>
+                  </c:spPr>
+                </c15:leaderLines>
+              </c:ext>
+            </c:extLst>
+          </c:dLbls>
+          <c:cat>
+            <c:numRef>
+              <c:f>Sheet1!$A$3:$A$6</c:f>
+              <c:numCache>
+                <c:formatCode>General</c:formatCode>
+                <c:ptCount val="4"/>
+                <c:pt idx="0">
+                  <c:v>1</c:v>
+                </c:pt>
+                <c:pt idx="1">
+                  <c:v>2</c:v>
+                </c:pt>
+                <c:pt idx="2">
+                  <c:v>4</c:v>
+                </c:pt>
+                <c:pt idx="3">
+                  <c:v>6</c:v>
+                </c:pt>
+              </c:numCache>
+            </c:numRef>
+          </c:cat>
+          <c:val>
+            <c:numRef>
+              <c:f>Sheet1!$B$3:$B$6</c:f>
+              <c:numCache>
+                <c:formatCode>General</c:formatCode>
+                <c:ptCount val="4"/>
+                <c:pt idx="0">
+                  <c:v>519</c:v>
+                </c:pt>
+                <c:pt idx="1">
+                  <c:v>282</c:v>
+                </c:pt>
+                <c:pt idx="2">
+                  <c:v>167</c:v>
+                </c:pt>
+                <c:pt idx="3">
+                  <c:v>141</c:v>
+                </c:pt>
+              </c:numCache>
+            </c:numRef>
+          </c:val>
+          <c:smooth val="0"/>
+          <c:extLst>
+            <c:ext xmlns:c16="http://schemas.microsoft.com/office/drawing/2014/chart" uri="{C3380CC4-5D6E-409C-BE32-E72D297353CC}">
+              <c16:uniqueId val="{00000000-6E26-4AEF-92F2-A929CB3E80A6}"/>
+            </c:ext>
+          </c:extLst>
+        </c:ser>
+        <c:dLbls>
+          <c:dLblPos val="t"/>
+          <c:showLegendKey val="0"/>
+          <c:showVal val="1"/>
+          <c:showCatName val="0"/>
+          <c:showSerName val="0"/>
+          <c:showPercent val="0"/>
+          <c:showBubbleSize val="0"/>
+        </c:dLbls>
+        <c:smooth val="0"/>
+        <c:axId val="397242600"/>
+        <c:axId val="397246208"/>
+      </c:lineChart>
+      <c:catAx>
+        <c:axId val="397242600"/>
+        <c:scaling>
+          <c:orientation val="minMax"/>
+        </c:scaling>
+        <c:delete val="0"/>
+        <c:axPos val="b"/>
+        <c:title>
+          <c:tx>
+            <c:rich>
+              <a:bodyPr rot="0" spcFirstLastPara="1" vertOverflow="ellipsis" vert="horz" wrap="square" anchor="ctr" anchorCtr="1"/>
+              <a:lstStyle/>
+              <a:p>
+                <a:pPr>
+                  <a:defRPr sz="1000" b="0" i="0" u="none" strike="noStrike" kern="1200" baseline="0">
+                    <a:solidFill>
+                      <a:schemeClr val="tx1">
+                        <a:lumMod val="65000"/>
+                        <a:lumOff val="35000"/>
+                      </a:schemeClr>
+                    </a:solidFill>
+                    <a:latin typeface="+mn-lt"/>
+                    <a:ea typeface="+mn-ea"/>
+                    <a:cs typeface="+mn-cs"/>
+                  </a:defRPr>
+                </a:pPr>
+                <a:r>
+                  <a:rPr lang="en-US" dirty="0"/>
+                  <a:t>Number of Logical Cores Used</a:t>
+                </a:r>
+              </a:p>
+            </c:rich>
+          </c:tx>
+          <c:overlay val="0"/>
+          <c:spPr>
+            <a:noFill/>
+            <a:ln>
+              <a:noFill/>
+            </a:ln>
+            <a:effectLst/>
+          </c:spPr>
+          <c:txPr>
+            <a:bodyPr rot="0" spcFirstLastPara="1" vertOverflow="ellipsis" vert="horz" wrap="square" anchor="ctr" anchorCtr="1"/>
+            <a:lstStyle/>
+            <a:p>
+              <a:pPr>
+                <a:defRPr sz="1000" b="0" i="0" u="none" strike="noStrike" kern="1200" baseline="0">
+                  <a:solidFill>
+                    <a:schemeClr val="tx1">
+                      <a:lumMod val="65000"/>
+                      <a:lumOff val="35000"/>
+                    </a:schemeClr>
+                  </a:solidFill>
+                  <a:latin typeface="+mn-lt"/>
+                  <a:ea typeface="+mn-ea"/>
+                  <a:cs typeface="+mn-cs"/>
+                </a:defRPr>
+              </a:pPr>
+              <a:endParaRPr lang="en-US"/>
+            </a:p>
+          </c:txPr>
+        </c:title>
+        <c:numFmt formatCode="General" sourceLinked="1"/>
+        <c:majorTickMark val="none"/>
+        <c:minorTickMark val="none"/>
+        <c:tickLblPos val="nextTo"/>
+        <c:spPr>
+          <a:noFill/>
+          <a:ln w="9525" cap="flat" cmpd="sng" algn="ctr">
+            <a:solidFill>
+              <a:schemeClr val="tx1">
+                <a:lumMod val="15000"/>
+                <a:lumOff val="85000"/>
+              </a:schemeClr>
+            </a:solidFill>
+            <a:round/>
+          </a:ln>
+          <a:effectLst/>
+        </c:spPr>
+        <c:txPr>
+          <a:bodyPr rot="-60000000" spcFirstLastPara="1" vertOverflow="ellipsis" vert="horz" wrap="square" anchor="ctr" anchorCtr="1"/>
+          <a:lstStyle/>
+          <a:p>
+            <a:pPr>
+              <a:defRPr sz="900" b="0" i="0" u="none" strike="noStrike" kern="1200" baseline="0">
+                <a:solidFill>
+                  <a:schemeClr val="tx1">
+                    <a:lumMod val="65000"/>
+                    <a:lumOff val="35000"/>
+                  </a:schemeClr>
+                </a:solidFill>
+                <a:latin typeface="+mn-lt"/>
+                <a:ea typeface="+mn-ea"/>
+                <a:cs typeface="+mn-cs"/>
+              </a:defRPr>
+            </a:pPr>
+            <a:endParaRPr lang="en-US"/>
+          </a:p>
+        </c:txPr>
+        <c:crossAx val="397246208"/>
+        <c:crosses val="autoZero"/>
+        <c:auto val="1"/>
+        <c:lblAlgn val="ctr"/>
+        <c:lblOffset val="100"/>
+        <c:noMultiLvlLbl val="0"/>
+      </c:catAx>
+      <c:valAx>
+        <c:axId val="397246208"/>
+        <c:scaling>
+          <c:orientation val="minMax"/>
+        </c:scaling>
+        <c:delete val="0"/>
+        <c:axPos val="l"/>
+        <c:majorGridlines>
+          <c:spPr>
+            <a:ln w="9525" cap="flat" cmpd="sng" algn="ctr">
+              <a:solidFill>
+                <a:schemeClr val="tx1">
+                  <a:lumMod val="15000"/>
+                  <a:lumOff val="85000"/>
+                </a:schemeClr>
+              </a:solidFill>
+              <a:round/>
+            </a:ln>
+            <a:effectLst/>
+          </c:spPr>
+        </c:majorGridlines>
+        <c:title>
+          <c:tx>
+            <c:rich>
+              <a:bodyPr rot="-5400000" spcFirstLastPara="1" vertOverflow="ellipsis" vert="horz" wrap="square" anchor="ctr" anchorCtr="1"/>
+              <a:lstStyle/>
+              <a:p>
+                <a:pPr>
+                  <a:defRPr sz="1000" b="0" i="0" u="none" strike="noStrike" kern="1200" baseline="0">
+                    <a:solidFill>
+                      <a:schemeClr val="tx1">
+                        <a:lumMod val="65000"/>
+                        <a:lumOff val="35000"/>
+                      </a:schemeClr>
+                    </a:solidFill>
+                    <a:latin typeface="+mn-lt"/>
+                    <a:ea typeface="+mn-ea"/>
+                    <a:cs typeface="+mn-cs"/>
+                  </a:defRPr>
+                </a:pPr>
+                <a:r>
+                  <a:rPr lang="en-US"/>
+                  <a:t>Runtime (seconds)</a:t>
+                </a:r>
+              </a:p>
+            </c:rich>
+          </c:tx>
+          <c:overlay val="0"/>
+          <c:spPr>
+            <a:noFill/>
+            <a:ln>
+              <a:noFill/>
+            </a:ln>
+            <a:effectLst/>
+          </c:spPr>
+          <c:txPr>
+            <a:bodyPr rot="-5400000" spcFirstLastPara="1" vertOverflow="ellipsis" vert="horz" wrap="square" anchor="ctr" anchorCtr="1"/>
+            <a:lstStyle/>
+            <a:p>
+              <a:pPr>
+                <a:defRPr sz="1000" b="0" i="0" u="none" strike="noStrike" kern="1200" baseline="0">
+                  <a:solidFill>
+                    <a:schemeClr val="tx1">
+                      <a:lumMod val="65000"/>
+                      <a:lumOff val="35000"/>
+                    </a:schemeClr>
+                  </a:solidFill>
+                  <a:latin typeface="+mn-lt"/>
+                  <a:ea typeface="+mn-ea"/>
+                  <a:cs typeface="+mn-cs"/>
+                </a:defRPr>
+              </a:pPr>
+              <a:endParaRPr lang="en-US"/>
+            </a:p>
+          </c:txPr>
+        </c:title>
+        <c:numFmt formatCode="General" sourceLinked="1"/>
+        <c:majorTickMark val="none"/>
+        <c:minorTickMark val="none"/>
+        <c:tickLblPos val="nextTo"/>
+        <c:spPr>
+          <a:noFill/>
+          <a:ln>
+            <a:noFill/>
+          </a:ln>
+          <a:effectLst/>
+        </c:spPr>
+        <c:txPr>
+          <a:bodyPr rot="-60000000" spcFirstLastPara="1" vertOverflow="ellipsis" vert="horz" wrap="square" anchor="ctr" anchorCtr="1"/>
+          <a:lstStyle/>
+          <a:p>
+            <a:pPr>
+              <a:defRPr sz="900" b="0" i="0" u="none" strike="noStrike" kern="1200" baseline="0">
+                <a:solidFill>
+                  <a:schemeClr val="tx1">
+                    <a:lumMod val="65000"/>
+                    <a:lumOff val="35000"/>
+                  </a:schemeClr>
+                </a:solidFill>
+                <a:latin typeface="+mn-lt"/>
+                <a:ea typeface="+mn-ea"/>
+                <a:cs typeface="+mn-cs"/>
+              </a:defRPr>
+            </a:pPr>
+            <a:endParaRPr lang="en-US"/>
+          </a:p>
+        </c:txPr>
+        <c:crossAx val="397242600"/>
+        <c:crosses val="autoZero"/>
+        <c:crossBetween val="between"/>
+      </c:valAx>
+      <c:spPr>
+        <a:solidFill>
+          <a:schemeClr val="bg2">
+            <a:lumMod val="50000"/>
+          </a:schemeClr>
+        </a:solidFill>
+        <a:ln>
+          <a:noFill/>
+        </a:ln>
+        <a:effectLst/>
+      </c:spPr>
+    </c:plotArea>
+    <c:plotVisOnly val="1"/>
+    <c:dispBlanksAs val="gap"/>
+    <c:showDLblsOverMax val="0"/>
+  </c:chart>
+  <c:spPr>
+    <a:noFill/>
+    <a:ln>
+      <a:noFill/>
+    </a:ln>
+    <a:effectLst/>
+  </c:spPr>
+  <c:txPr>
+    <a:bodyPr/>
+    <a:lstStyle/>
+    <a:p>
+      <a:pPr>
+        <a:defRPr/>
+      </a:pPr>
+      <a:endParaRPr lang="en-US"/>
+    </a:p>
+  </c:txPr>
+  <c:externalData r:id="rId3">
+    <c:autoUpdate val="0"/>
+  </c:externalData>
+</c:chartSpace>
+</file>
+
+<file path=ppt/charts/colors1.xml><?xml version="1.0" encoding="utf-8"?>
+<cs:colorStyle xmlns:cs="http://schemas.microsoft.com/office/drawing/2012/chartStyle" xmlns:a="http://schemas.openxmlformats.org/drawingml/2006/main" meth="cycle" id="10">
+  <a:schemeClr val="accent1"/>
+  <a:schemeClr val="accent2"/>
+  <a:schemeClr val="accent3"/>
+  <a:schemeClr val="accent4"/>
+  <a:schemeClr val="accent5"/>
+  <a:schemeClr val="accent6"/>
+  <cs:variation/>
+  <cs:variation>
+    <a:lumMod val="60000"/>
+  </cs:variation>
+  <cs:variation>
+    <a:lumMod val="80000"/>
+    <a:lumOff val="20000"/>
+  </cs:variation>
+  <cs:variation>
+    <a:lumMod val="80000"/>
+  </cs:variation>
+  <cs:variation>
+    <a:lumMod val="60000"/>
+    <a:lumOff val="40000"/>
+  </cs:variation>
+  <cs:variation>
+    <a:lumMod val="50000"/>
+  </cs:variation>
+  <cs:variation>
+    <a:lumMod val="70000"/>
+    <a:lumOff val="30000"/>
+  </cs:variation>
+  <cs:variation>
+    <a:lumMod val="70000"/>
+  </cs:variation>
+  <cs:variation>
+    <a:lumMod val="50000"/>
+    <a:lumOff val="50000"/>
+  </cs:variation>
+</cs:colorStyle>
+</file>
+
+<file path=ppt/charts/colors2.xml><?xml version="1.0" encoding="utf-8"?>
+<cs:colorStyle xmlns:cs="http://schemas.microsoft.com/office/drawing/2012/chartStyle" xmlns:a="http://schemas.openxmlformats.org/drawingml/2006/main" meth="cycle" id="10">
+  <a:schemeClr val="accent1"/>
+  <a:schemeClr val="accent2"/>
+  <a:schemeClr val="accent3"/>
+  <a:schemeClr val="accent4"/>
+  <a:schemeClr val="accent5"/>
+  <a:schemeClr val="accent6"/>
+  <cs:variation/>
+  <cs:variation>
+    <a:lumMod val="60000"/>
+  </cs:variation>
+  <cs:variation>
+    <a:lumMod val="80000"/>
+    <a:lumOff val="20000"/>
+  </cs:variation>
+  <cs:variation>
+    <a:lumMod val="80000"/>
+  </cs:variation>
+  <cs:variation>
+    <a:lumMod val="60000"/>
+    <a:lumOff val="40000"/>
+  </cs:variation>
+  <cs:variation>
+    <a:lumMod val="50000"/>
+  </cs:variation>
+  <cs:variation>
+    <a:lumMod val="70000"/>
+    <a:lumOff val="30000"/>
+  </cs:variation>
+  <cs:variation>
+    <a:lumMod val="70000"/>
+  </cs:variation>
+  <cs:variation>
+    <a:lumMod val="50000"/>
+    <a:lumOff val="50000"/>
+  </cs:variation>
+</cs:colorStyle>
+</file>
+
+<file path=ppt/charts/colors3.xml><?xml version="1.0" encoding="utf-8"?>
+<cs:colorStyle xmlns:cs="http://schemas.microsoft.com/office/drawing/2012/chartStyle" xmlns:a="http://schemas.openxmlformats.org/drawingml/2006/main" meth="cycle" id="10">
+  <a:schemeClr val="accent1"/>
+  <a:schemeClr val="accent2"/>
+  <a:schemeClr val="accent3"/>
+  <a:schemeClr val="accent4"/>
+  <a:schemeClr val="accent5"/>
+  <a:schemeClr val="accent6"/>
+  <cs:variation/>
+  <cs:variation>
+    <a:lumMod val="60000"/>
+  </cs:variation>
+  <cs:variation>
+    <a:lumMod val="80000"/>
+    <a:lumOff val="20000"/>
+  </cs:variation>
+  <cs:variation>
+    <a:lumMod val="80000"/>
+  </cs:variation>
+  <cs:variation>
+    <a:lumMod val="60000"/>
+    <a:lumOff val="40000"/>
+  </cs:variation>
+  <cs:variation>
+    <a:lumMod val="50000"/>
+  </cs:variation>
+  <cs:variation>
+    <a:lumMod val="70000"/>
+    <a:lumOff val="30000"/>
+  </cs:variation>
+  <cs:variation>
+    <a:lumMod val="70000"/>
+  </cs:variation>
+  <cs:variation>
+    <a:lumMod val="50000"/>
+    <a:lumOff val="50000"/>
+  </cs:variation>
+</cs:colorStyle>
+</file>
+
+<file path=ppt/charts/style1.xml><?xml version="1.0" encoding="utf-8"?>
+<cs:chartStyle xmlns:cs="http://schemas.microsoft.com/office/drawing/2012/chartStyle" xmlns:a="http://schemas.openxmlformats.org/drawingml/2006/main" id="201">
+  <cs:axisTitle>
+    <cs:lnRef idx="0"/>
+    <cs:fillRef idx="0"/>
+    <cs:effectRef idx="0"/>
+    <cs:fontRef idx="minor">
+      <a:schemeClr val="tx1">
+        <a:lumMod val="65000"/>
+        <a:lumOff val="35000"/>
+      </a:schemeClr>
+    </cs:fontRef>
+    <cs:defRPr sz="1000" kern="1200"/>
+  </cs:axisTitle>
+  <cs:categoryAxis>
+    <cs:lnRef idx="0"/>
+    <cs:fillRef idx="0"/>
+    <cs:effectRef idx="0"/>
+    <cs:fontRef idx="minor">
+      <a:schemeClr val="tx1">
+        <a:lumMod val="65000"/>
+        <a:lumOff val="35000"/>
+      </a:schemeClr>
+    </cs:fontRef>
+    <cs:spPr>
+      <a:ln w="9525" cap="flat" cmpd="sng" algn="ctr">
+        <a:solidFill>
+          <a:schemeClr val="tx1">
+            <a:lumMod val="15000"/>
+            <a:lumOff val="85000"/>
+          </a:schemeClr>
+        </a:solidFill>
+        <a:round/>
+      </a:ln>
+    </cs:spPr>
+    <cs:defRPr sz="900" kern="1200"/>
+  </cs:categoryAxis>
+  <cs:chartArea mods="allowNoFillOverride allowNoLineOverride">
+    <cs:lnRef idx="0"/>
+    <cs:fillRef idx="0"/>
+    <cs:effectRef idx="0"/>
+    <cs:fontRef idx="minor">
+      <a:schemeClr val="tx1"/>
+    </cs:fontRef>
+    <cs:spPr>
+      <a:solidFill>
+        <a:schemeClr val="bg1"/>
+      </a:solidFill>
+      <a:ln w="9525" cap="flat" cmpd="sng" algn="ctr">
+        <a:solidFill>
+          <a:schemeClr val="tx1">
+            <a:lumMod val="15000"/>
+            <a:lumOff val="85000"/>
+          </a:schemeClr>
+        </a:solidFill>
+        <a:round/>
+      </a:ln>
+    </cs:spPr>
+    <cs:defRPr sz="1000" kern="1200"/>
+  </cs:chartArea>
+  <cs:dataLabel>
+    <cs:lnRef idx="0"/>
+    <cs:fillRef idx="0"/>
+    <cs:effectRef idx="0"/>
+    <cs:fontRef idx="minor">
+      <a:schemeClr val="tx1">
+        <a:lumMod val="75000"/>
+        <a:lumOff val="25000"/>
+      </a:schemeClr>
+    </cs:fontRef>
+    <cs:defRPr sz="900" kern="1200"/>
+  </cs:dataLabel>
+  <cs:dataLabelCallout>
+    <cs:lnRef idx="0"/>
+    <cs:fillRef idx="0"/>
+    <cs:effectRef idx="0"/>
+    <cs:fontRef idx="minor">
+      <a:schemeClr val="dk1">
+        <a:lumMod val="65000"/>
+        <a:lumOff val="35000"/>
+      </a:schemeClr>
+    </cs:fontRef>
+    <cs:spPr>
+      <a:solidFill>
+        <a:schemeClr val="lt1"/>
+      </a:solidFill>
+      <a:ln>
+        <a:solidFill>
+          <a:schemeClr val="dk1">
+            <a:lumMod val="25000"/>
+            <a:lumOff val="75000"/>
+          </a:schemeClr>
+        </a:solidFill>
+      </a:ln>
+    </cs:spPr>
+    <cs:defRPr sz="900" kern="1200"/>
+    <cs:bodyPr rot="0" spcFirstLastPara="1" vertOverflow="clip" horzOverflow="clip" vert="horz" wrap="square" lIns="36576" tIns="18288" rIns="36576" bIns="18288" anchor="ctr" anchorCtr="1">
+      <a:spAutoFit/>
+    </cs:bodyPr>
+  </cs:dataLabelCallout>
+  <cs:dataPoint>
+    <cs:lnRef idx="0"/>
+    <cs:fillRef idx="1">
+      <cs:styleClr val="auto"/>
+    </cs:fillRef>
+    <cs:effectRef idx="0"/>
+    <cs:fontRef idx="minor">
+      <a:schemeClr val="tx1"/>
+    </cs:fontRef>
+  </cs:dataPoint>
+  <cs:dataPoint3D>
+    <cs:lnRef idx="0"/>
+    <cs:fillRef idx="1">
+      <cs:styleClr val="auto"/>
+    </cs:fillRef>
+    <cs:effectRef idx="0"/>
+    <cs:fontRef idx="minor">
+      <a:schemeClr val="tx1"/>
+    </cs:fontRef>
+  </cs:dataPoint3D>
+  <cs:dataPointLine>
+    <cs:lnRef idx="0">
+      <cs:styleClr val="auto"/>
+    </cs:lnRef>
+    <cs:fillRef idx="1"/>
+    <cs:effectRef idx="0"/>
+    <cs:fontRef idx="minor">
+      <a:schemeClr val="tx1"/>
+    </cs:fontRef>
+    <cs:spPr>
+      <a:ln w="28575" cap="rnd">
+        <a:solidFill>
+          <a:schemeClr val="phClr"/>
+        </a:solidFill>
+        <a:round/>
+      </a:ln>
+    </cs:spPr>
+  </cs:dataPointLine>
+  <cs:dataPointMarker>
+    <cs:lnRef idx="0">
+      <cs:styleClr val="auto"/>
+    </cs:lnRef>
+    <cs:fillRef idx="1">
+      <cs:styleClr val="auto"/>
+    </cs:fillRef>
+    <cs:effectRef idx="0"/>
+    <cs:fontRef idx="minor">
+      <a:schemeClr val="tx1"/>
+    </cs:fontRef>
+    <cs:spPr>
+      <a:ln w="9525">
+        <a:solidFill>
+          <a:schemeClr val="phClr"/>
+        </a:solidFill>
+      </a:ln>
+    </cs:spPr>
+  </cs:dataPointMarker>
+  <cs:dataPointMarkerLayout symbol="circle" size="5"/>
+  <cs:dataPointWireframe>
+    <cs:lnRef idx="0">
+      <cs:styleClr val="auto"/>
+    </cs:lnRef>
+    <cs:fillRef idx="1"/>
+    <cs:effectRef idx="0"/>
+    <cs:fontRef idx="minor">
+      <a:schemeClr val="tx1"/>
+    </cs:fontRef>
+    <cs:spPr>
+      <a:ln w="9525" cap="rnd">
+        <a:solidFill>
+          <a:schemeClr val="phClr"/>
+        </a:solidFill>
+        <a:round/>
+      </a:ln>
+    </cs:spPr>
+  </cs:dataPointWireframe>
+  <cs:dataTable>
+    <cs:lnRef idx="0"/>
+    <cs:fillRef idx="0"/>
+    <cs:effectRef idx="0"/>
+    <cs:fontRef idx="minor">
+      <a:schemeClr val="tx1">
+        <a:lumMod val="65000"/>
+        <a:lumOff val="35000"/>
+      </a:schemeClr>
+    </cs:fontRef>
+    <cs:spPr>
+      <a:noFill/>
+      <a:ln w="9525" cap="flat" cmpd="sng" algn="ctr">
+        <a:solidFill>
+          <a:schemeClr val="tx1">
+            <a:lumMod val="15000"/>
+            <a:lumOff val="85000"/>
+          </a:schemeClr>
+        </a:solidFill>
+        <a:round/>
+      </a:ln>
+    </cs:spPr>
+    <cs:defRPr sz="900" kern="1200"/>
+  </cs:dataTable>
+  <cs:downBar>
+    <cs:lnRef idx="0"/>
+    <cs:fillRef idx="0"/>
+    <cs:effectRef idx="0"/>
+    <cs:fontRef idx="minor">
+      <a:schemeClr val="dk1"/>
+    </cs:fontRef>
+    <cs:spPr>
+      <a:solidFill>
+        <a:schemeClr val="dk1">
+          <a:lumMod val="65000"/>
+          <a:lumOff val="35000"/>
+        </a:schemeClr>
+      </a:solidFill>
+      <a:ln w="9525">
+        <a:solidFill>
+          <a:schemeClr val="tx1">
+            <a:lumMod val="65000"/>
+            <a:lumOff val="35000"/>
+          </a:schemeClr>
+        </a:solidFill>
+      </a:ln>
+    </cs:spPr>
+  </cs:downBar>
+  <cs:dropLine>
+    <cs:lnRef idx="0"/>
+    <cs:fillRef idx="0"/>
+    <cs:effectRef idx="0"/>
+    <cs:fontRef idx="minor">
+      <a:schemeClr val="tx1"/>
+    </cs:fontRef>
+    <cs:spPr>
+      <a:ln w="9525" cap="flat" cmpd="sng" algn="ctr">
+        <a:solidFill>
+          <a:schemeClr val="tx1">
+            <a:lumMod val="35000"/>
+            <a:lumOff val="65000"/>
+          </a:schemeClr>
+        </a:solidFill>
+        <a:round/>
+      </a:ln>
+    </cs:spPr>
+  </cs:dropLine>
+  <cs:errorBar>
+    <cs:lnRef idx="0"/>
+    <cs:fillRef idx="0"/>
+    <cs:effectRef idx="0"/>
+    <cs:fontRef idx="minor">
+      <a:schemeClr val="tx1"/>
+    </cs:fontRef>
+    <cs:spPr>
+      <a:ln w="9525" cap="flat" cmpd="sng" algn="ctr">
+        <a:solidFill>
+          <a:schemeClr val="tx1">
+            <a:lumMod val="65000"/>
+            <a:lumOff val="35000"/>
+          </a:schemeClr>
+        </a:solidFill>
+        <a:round/>
+      </a:ln>
+    </cs:spPr>
+  </cs:errorBar>
+  <cs:floor>
+    <cs:lnRef idx="0"/>
+    <cs:fillRef idx="0"/>
+    <cs:effectRef idx="0"/>
+    <cs:fontRef idx="minor">
+      <a:schemeClr val="tx1"/>
+    </cs:fontRef>
+    <cs:spPr>
+      <a:noFill/>
+      <a:ln>
+        <a:noFill/>
+      </a:ln>
+    </cs:spPr>
+  </cs:floor>
+  <cs:gridlineMajor>
+    <cs:lnRef idx="0"/>
+    <cs:fillRef idx="0"/>
+    <cs:effectRef idx="0"/>
+    <cs:fontRef idx="minor">
+      <a:schemeClr val="tx1"/>
+    </cs:fontRef>
+    <cs:spPr>
+      <a:ln w="9525" cap="flat" cmpd="sng" algn="ctr">
+        <a:solidFill>
+          <a:schemeClr val="tx1">
+            <a:lumMod val="15000"/>
+            <a:lumOff val="85000"/>
+          </a:schemeClr>
+        </a:solidFill>
+        <a:round/>
+      </a:ln>
+    </cs:spPr>
+  </cs:gridlineMajor>
+  <cs:gridlineMinor>
+    <cs:lnRef idx="0"/>
+    <cs:fillRef idx="0"/>
+    <cs:effectRef idx="0"/>
+    <cs:fontRef idx="minor">
+      <a:schemeClr val="tx1"/>
+    </cs:fontRef>
+    <cs:spPr>
+      <a:ln w="9525" cap="flat" cmpd="sng" algn="ctr">
+        <a:solidFill>
+          <a:schemeClr val="tx1">
+            <a:lumMod val="5000"/>
+            <a:lumOff val="95000"/>
+          </a:schemeClr>
+        </a:solidFill>
+        <a:round/>
+      </a:ln>
+    </cs:spPr>
+  </cs:gridlineMinor>
+  <cs:hiLoLine>
+    <cs:lnRef idx="0"/>
+    <cs:fillRef idx="0"/>
+    <cs:effectRef idx="0"/>
+    <cs:fontRef idx="minor">
+      <a:schemeClr val="tx1"/>
+    </cs:fontRef>
+    <cs:spPr>
+      <a:ln w="9525" cap="flat" cmpd="sng" algn="ctr">
+        <a:solidFill>
+          <a:schemeClr val="tx1">
+            <a:lumMod val="75000"/>
+            <a:lumOff val="25000"/>
+          </a:schemeClr>
+        </a:solidFill>
+        <a:round/>
+      </a:ln>
+    </cs:spPr>
+  </cs:hiLoLine>
+  <cs:leaderLine>
+    <cs:lnRef idx="0"/>
+    <cs:fillRef idx="0"/>
+    <cs:effectRef idx="0"/>
+    <cs:fontRef idx="minor">
+      <a:schemeClr val="tx1"/>
+    </cs:fontRef>
+    <cs:spPr>
+      <a:ln w="9525" cap="flat" cmpd="sng" algn="ctr">
+        <a:solidFill>
+          <a:schemeClr val="tx1">
+            <a:lumMod val="35000"/>
+            <a:lumOff val="65000"/>
+          </a:schemeClr>
+        </a:solidFill>
+        <a:round/>
+      </a:ln>
+    </cs:spPr>
+  </cs:leaderLine>
+  <cs:legend>
+    <cs:lnRef idx="0"/>
+    <cs:fillRef idx="0"/>
+    <cs:effectRef idx="0"/>
+    <cs:fontRef idx="minor">
+      <a:schemeClr val="tx1">
+        <a:lumMod val="65000"/>
+        <a:lumOff val="35000"/>
+      </a:schemeClr>
+    </cs:fontRef>
+    <cs:defRPr sz="900" kern="1200"/>
+  </cs:legend>
+  <cs:plotArea mods="allowNoFillOverride allowNoLineOverride">
+    <cs:lnRef idx="0"/>
+    <cs:fillRef idx="0"/>
+    <cs:effectRef idx="0"/>
+    <cs:fontRef idx="minor">
+      <a:schemeClr val="tx1"/>
+    </cs:fontRef>
+  </cs:plotArea>
+  <cs:plotArea3D mods="allowNoFillOverride allowNoLineOverride">
+    <cs:lnRef idx="0"/>
+    <cs:fillRef idx="0"/>
+    <cs:effectRef idx="0"/>
+    <cs:fontRef idx="minor">
+      <a:schemeClr val="tx1"/>
+    </cs:fontRef>
+  </cs:plotArea3D>
+  <cs:seriesAxis>
+    <cs:lnRef idx="0"/>
+    <cs:fillRef idx="0"/>
+    <cs:effectRef idx="0"/>
+    <cs:fontRef idx="minor">
+      <a:schemeClr val="tx1">
+        <a:lumMod val="65000"/>
+        <a:lumOff val="35000"/>
+      </a:schemeClr>
+    </cs:fontRef>
+    <cs:defRPr sz="900" kern="1200"/>
+  </cs:seriesAxis>
+  <cs:seriesLine>
+    <cs:lnRef idx="0"/>
+    <cs:fillRef idx="0"/>
+    <cs:effectRef idx="0"/>
+    <cs:fontRef idx="minor">
+      <a:schemeClr val="tx1"/>
+    </cs:fontRef>
+    <cs:spPr>
+      <a:ln w="9525" cap="flat" cmpd="sng" algn="ctr">
+        <a:solidFill>
+          <a:schemeClr val="tx1">
+            <a:lumMod val="35000"/>
+            <a:lumOff val="65000"/>
+          </a:schemeClr>
+        </a:solidFill>
+        <a:round/>
+      </a:ln>
+    </cs:spPr>
+  </cs:seriesLine>
+  <cs:title>
+    <cs:lnRef idx="0"/>
+    <cs:fillRef idx="0"/>
+    <cs:effectRef idx="0"/>
+    <cs:fontRef idx="minor">
+      <a:schemeClr val="tx1">
+        <a:lumMod val="65000"/>
+        <a:lumOff val="35000"/>
+      </a:schemeClr>
+    </cs:fontRef>
+    <cs:defRPr sz="1400" b="0" kern="1200" spc="0" baseline="0"/>
+  </cs:title>
+  <cs:trendline>
+    <cs:lnRef idx="0">
+      <cs:styleClr val="auto"/>
+    </cs:lnRef>
+    <cs:fillRef idx="0"/>
+    <cs:effectRef idx="0"/>
+    <cs:fontRef idx="minor">
+      <a:schemeClr val="tx1"/>
+    </cs:fontRef>
+    <cs:spPr>
+      <a:ln w="19050" cap="rnd">
+        <a:solidFill>
+          <a:schemeClr val="phClr"/>
+        </a:solidFill>
+        <a:prstDash val="sysDot"/>
+      </a:ln>
+    </cs:spPr>
+  </cs:trendline>
+  <cs:trendlineLabel>
+    <cs:lnRef idx="0"/>
+    <cs:fillRef idx="0"/>
+    <cs:effectRef idx="0"/>
+    <cs:fontRef idx="minor">
+      <a:schemeClr val="tx1">
+        <a:lumMod val="65000"/>
+        <a:lumOff val="35000"/>
+      </a:schemeClr>
+    </cs:fontRef>
+    <cs:defRPr sz="900" kern="1200"/>
+  </cs:trendlineLabel>
+  <cs:upBar>
+    <cs:lnRef idx="0"/>
+    <cs:fillRef idx="0"/>
+    <cs:effectRef idx="0"/>
+    <cs:fontRef idx="minor">
+      <a:schemeClr val="dk1"/>
+    </cs:fontRef>
+    <cs:spPr>
+      <a:solidFill>
+        <a:schemeClr val="lt1"/>
+      </a:solidFill>
+      <a:ln w="9525">
+        <a:solidFill>
+          <a:schemeClr val="tx1">
+            <a:lumMod val="15000"/>
+            <a:lumOff val="85000"/>
+          </a:schemeClr>
+        </a:solidFill>
+      </a:ln>
+    </cs:spPr>
+  </cs:upBar>
+  <cs:valueAxis>
+    <cs:lnRef idx="0"/>
+    <cs:fillRef idx="0"/>
+    <cs:effectRef idx="0"/>
+    <cs:fontRef idx="minor">
+      <a:schemeClr val="tx1">
+        <a:lumMod val="65000"/>
+        <a:lumOff val="35000"/>
+      </a:schemeClr>
+    </cs:fontRef>
+    <cs:defRPr sz="900" kern="1200"/>
+  </cs:valueAxis>
+  <cs:wall>
+    <cs:lnRef idx="0"/>
+    <cs:fillRef idx="0"/>
+    <cs:effectRef idx="0"/>
+    <cs:fontRef idx="minor">
+      <a:schemeClr val="tx1"/>
+    </cs:fontRef>
+    <cs:spPr>
+      <a:noFill/>
+      <a:ln>
+        <a:noFill/>
+      </a:ln>
+    </cs:spPr>
+  </cs:wall>
+</cs:chartStyle>
+</file>
+
+<file path=ppt/charts/style2.xml><?xml version="1.0" encoding="utf-8"?>
+<cs:chartStyle xmlns:cs="http://schemas.microsoft.com/office/drawing/2012/chartStyle" xmlns:a="http://schemas.openxmlformats.org/drawingml/2006/main" id="201">
+  <cs:axisTitle>
+    <cs:lnRef idx="0"/>
+    <cs:fillRef idx="0"/>
+    <cs:effectRef idx="0"/>
+    <cs:fontRef idx="minor">
+      <a:schemeClr val="tx1">
+        <a:lumMod val="65000"/>
+        <a:lumOff val="35000"/>
+      </a:schemeClr>
+    </cs:fontRef>
+    <cs:defRPr sz="1330" kern="1200"/>
+  </cs:axisTitle>
+  <cs:categoryAxis>
+    <cs:lnRef idx="0"/>
+    <cs:fillRef idx="0"/>
+    <cs:effectRef idx="0"/>
+    <cs:fontRef idx="minor">
+      <a:schemeClr val="tx1">
+        <a:lumMod val="65000"/>
+        <a:lumOff val="35000"/>
+      </a:schemeClr>
+    </cs:fontRef>
+    <cs:spPr>
+      <a:ln w="9525" cap="flat" cmpd="sng" algn="ctr">
+        <a:solidFill>
+          <a:schemeClr val="tx1">
+            <a:lumMod val="15000"/>
+            <a:lumOff val="85000"/>
+          </a:schemeClr>
+        </a:solidFill>
+        <a:round/>
+      </a:ln>
+    </cs:spPr>
+    <cs:defRPr sz="1197" kern="1200"/>
+  </cs:categoryAxis>
+  <cs:chartArea mods="allowNoFillOverride allowNoLineOverride">
+    <cs:lnRef idx="0"/>
+    <cs:fillRef idx="0"/>
+    <cs:effectRef idx="0"/>
+    <cs:fontRef idx="minor">
+      <a:schemeClr val="tx1"/>
+    </cs:fontRef>
+    <cs:spPr>
+      <a:solidFill>
+        <a:schemeClr val="bg1"/>
+      </a:solidFill>
+      <a:ln w="9525" cap="flat" cmpd="sng" algn="ctr">
+        <a:solidFill>
+          <a:schemeClr val="tx1">
+            <a:lumMod val="15000"/>
+            <a:lumOff val="85000"/>
+          </a:schemeClr>
+        </a:solidFill>
+        <a:round/>
+      </a:ln>
+    </cs:spPr>
+    <cs:defRPr sz="1330" kern="1200"/>
+  </cs:chartArea>
+  <cs:dataLabel>
+    <cs:lnRef idx="0"/>
+    <cs:fillRef idx="0"/>
+    <cs:effectRef idx="0"/>
+    <cs:fontRef idx="minor">
+      <a:schemeClr val="tx1">
+        <a:lumMod val="75000"/>
+        <a:lumOff val="25000"/>
+      </a:schemeClr>
+    </cs:fontRef>
+    <cs:defRPr sz="1197" kern="1200"/>
+  </cs:dataLabel>
+  <cs:dataLabelCallout>
+    <cs:lnRef idx="0"/>
+    <cs:fillRef idx="0"/>
+    <cs:effectRef idx="0"/>
+    <cs:fontRef idx="minor">
+      <a:schemeClr val="dk1">
+        <a:lumMod val="65000"/>
+        <a:lumOff val="35000"/>
+      </a:schemeClr>
+    </cs:fontRef>
+    <cs:spPr>
+      <a:solidFill>
+        <a:schemeClr val="lt1"/>
+      </a:solidFill>
+      <a:ln>
+        <a:solidFill>
+          <a:schemeClr val="dk1">
+            <a:lumMod val="25000"/>
+            <a:lumOff val="75000"/>
+          </a:schemeClr>
+        </a:solidFill>
+      </a:ln>
+    </cs:spPr>
+    <cs:defRPr sz="1197" kern="1200"/>
+    <cs:bodyPr rot="0" spcFirstLastPara="1" vertOverflow="clip" horzOverflow="clip" vert="horz" wrap="square" lIns="36576" tIns="18288" rIns="36576" bIns="18288" anchor="ctr" anchorCtr="1">
+      <a:spAutoFit/>
+    </cs:bodyPr>
+  </cs:dataLabelCallout>
+  <cs:dataPoint>
+    <cs:lnRef idx="0"/>
+    <cs:fillRef idx="1">
+      <cs:styleClr val="auto"/>
+    </cs:fillRef>
+    <cs:effectRef idx="0"/>
+    <cs:fontRef idx="minor">
+      <a:schemeClr val="tx1"/>
+    </cs:fontRef>
+  </cs:dataPoint>
+  <cs:dataPoint3D>
+    <cs:lnRef idx="0"/>
+    <cs:fillRef idx="1">
+      <cs:styleClr val="auto"/>
+    </cs:fillRef>
+    <cs:effectRef idx="0"/>
+    <cs:fontRef idx="minor">
+      <a:schemeClr val="tx1"/>
+    </cs:fontRef>
+  </cs:dataPoint3D>
+  <cs:dataPointLine>
+    <cs:lnRef idx="0">
+      <cs:styleClr val="auto"/>
+    </cs:lnRef>
+    <cs:fillRef idx="1"/>
+    <cs:effectRef idx="0"/>
+    <cs:fontRef idx="minor">
+      <a:schemeClr val="tx1"/>
+    </cs:fontRef>
+    <cs:spPr>
+      <a:ln w="28575" cap="rnd">
+        <a:solidFill>
+          <a:schemeClr val="phClr"/>
+        </a:solidFill>
+        <a:round/>
+      </a:ln>
+    </cs:spPr>
+  </cs:dataPointLine>
+  <cs:dataPointMarker>
+    <cs:lnRef idx="0">
+      <cs:styleClr val="auto"/>
+    </cs:lnRef>
+    <cs:fillRef idx="1">
+      <cs:styleClr val="auto"/>
+    </cs:fillRef>
+    <cs:effectRef idx="0"/>
+    <cs:fontRef idx="minor">
+      <a:schemeClr val="tx1"/>
+    </cs:fontRef>
+    <cs:spPr>
+      <a:ln w="9525">
+        <a:solidFill>
+          <a:schemeClr val="phClr"/>
+        </a:solidFill>
+      </a:ln>
+    </cs:spPr>
+  </cs:dataPointMarker>
+  <cs:dataPointMarkerLayout symbol="circle" size="5"/>
+  <cs:dataPointWireframe>
+    <cs:lnRef idx="0">
+      <cs:styleClr val="auto"/>
+    </cs:lnRef>
+    <cs:fillRef idx="1"/>
+    <cs:effectRef idx="0"/>
+    <cs:fontRef idx="minor">
+      <a:schemeClr val="tx1"/>
+    </cs:fontRef>
+    <cs:spPr>
+      <a:ln w="9525" cap="rnd">
+        <a:solidFill>
+          <a:schemeClr val="phClr"/>
+        </a:solidFill>
+        <a:round/>
+      </a:ln>
+    </cs:spPr>
+  </cs:dataPointWireframe>
+  <cs:dataTable>
+    <cs:lnRef idx="0"/>
+    <cs:fillRef idx="0"/>
+    <cs:effectRef idx="0"/>
+    <cs:fontRef idx="minor">
+      <a:schemeClr val="tx1">
+        <a:lumMod val="65000"/>
+        <a:lumOff val="35000"/>
+      </a:schemeClr>
+    </cs:fontRef>
+    <cs:spPr>
+      <a:noFill/>
+      <a:ln w="9525" cap="flat" cmpd="sng" algn="ctr">
+        <a:solidFill>
+          <a:schemeClr val="tx1">
+            <a:lumMod val="15000"/>
+            <a:lumOff val="85000"/>
+          </a:schemeClr>
+        </a:solidFill>
+        <a:round/>
+      </a:ln>
+    </cs:spPr>
+    <cs:defRPr sz="1197" kern="1200"/>
+  </cs:dataTable>
+  <cs:downBar>
+    <cs:lnRef idx="0"/>
+    <cs:fillRef idx="0"/>
+    <cs:effectRef idx="0"/>
+    <cs:fontRef idx="minor">
+      <a:schemeClr val="dk1"/>
+    </cs:fontRef>
+    <cs:spPr>
+      <a:solidFill>
+        <a:schemeClr val="dk1">
+          <a:lumMod val="65000"/>
+          <a:lumOff val="35000"/>
+        </a:schemeClr>
+      </a:solidFill>
+      <a:ln w="9525">
+        <a:solidFill>
+          <a:schemeClr val="tx1">
+            <a:lumMod val="65000"/>
+            <a:lumOff val="35000"/>
+          </a:schemeClr>
+        </a:solidFill>
+      </a:ln>
+    </cs:spPr>
+  </cs:downBar>
+  <cs:dropLine>
+    <cs:lnRef idx="0"/>
+    <cs:fillRef idx="0"/>
+    <cs:effectRef idx="0"/>
+    <cs:fontRef idx="minor">
+      <a:schemeClr val="tx1"/>
+    </cs:fontRef>
+    <cs:spPr>
+      <a:ln w="9525" cap="flat" cmpd="sng" algn="ctr">
+        <a:solidFill>
+          <a:schemeClr val="tx1">
+            <a:lumMod val="35000"/>
+            <a:lumOff val="65000"/>
+          </a:schemeClr>
+        </a:solidFill>
+        <a:round/>
+      </a:ln>
+    </cs:spPr>
+  </cs:dropLine>
+  <cs:errorBar>
+    <cs:lnRef idx="0"/>
+    <cs:fillRef idx="0"/>
+    <cs:effectRef idx="0"/>
+    <cs:fontRef idx="minor">
+      <a:schemeClr val="tx1"/>
+    </cs:fontRef>
+    <cs:spPr>
+      <a:ln w="9525" cap="flat" cmpd="sng" algn="ctr">
+        <a:solidFill>
+          <a:schemeClr val="tx1">
+            <a:lumMod val="65000"/>
+            <a:lumOff val="35000"/>
+          </a:schemeClr>
+        </a:solidFill>
+        <a:round/>
+      </a:ln>
+    </cs:spPr>
+  </cs:errorBar>
+  <cs:floor>
+    <cs:lnRef idx="0"/>
+    <cs:fillRef idx="0"/>
+    <cs:effectRef idx="0"/>
+    <cs:fontRef idx="minor">
+      <a:schemeClr val="tx1"/>
+    </cs:fontRef>
+    <cs:spPr>
+      <a:noFill/>
+      <a:ln>
+        <a:noFill/>
+      </a:ln>
+    </cs:spPr>
+  </cs:floor>
+  <cs:gridlineMajor>
+    <cs:lnRef idx="0"/>
+    <cs:fillRef idx="0"/>
+    <cs:effectRef idx="0"/>
+    <cs:fontRef idx="minor">
+      <a:schemeClr val="tx1"/>
+    </cs:fontRef>
+    <cs:spPr>
+      <a:ln w="9525" cap="flat" cmpd="sng" algn="ctr">
+        <a:solidFill>
+          <a:schemeClr val="tx1">
+            <a:lumMod val="15000"/>
+            <a:lumOff val="85000"/>
+          </a:schemeClr>
+        </a:solidFill>
+        <a:round/>
+      </a:ln>
+    </cs:spPr>
+  </cs:gridlineMajor>
+  <cs:gridlineMinor>
+    <cs:lnRef idx="0"/>
+    <cs:fillRef idx="0"/>
+    <cs:effectRef idx="0"/>
+    <cs:fontRef idx="minor">
+      <a:schemeClr val="tx1"/>
+    </cs:fontRef>
+    <cs:spPr>
+      <a:ln w="9525" cap="flat" cmpd="sng" algn="ctr">
+        <a:solidFill>
+          <a:schemeClr val="tx1">
+            <a:lumMod val="5000"/>
+            <a:lumOff val="95000"/>
+          </a:schemeClr>
+        </a:solidFill>
+        <a:round/>
+      </a:ln>
+    </cs:spPr>
+  </cs:gridlineMinor>
+  <cs:hiLoLine>
+    <cs:lnRef idx="0"/>
+    <cs:fillRef idx="0"/>
+    <cs:effectRef idx="0"/>
+    <cs:fontRef idx="minor">
+      <a:schemeClr val="tx1"/>
+    </cs:fontRef>
+    <cs:spPr>
+      <a:ln w="9525" cap="flat" cmpd="sng" algn="ctr">
+        <a:solidFill>
+          <a:schemeClr val="tx1">
+            <a:lumMod val="75000"/>
+            <a:lumOff val="25000"/>
+          </a:schemeClr>
+        </a:solidFill>
+        <a:round/>
+      </a:ln>
+    </cs:spPr>
+  </cs:hiLoLine>
+  <cs:leaderLine>
+    <cs:lnRef idx="0"/>
+    <cs:fillRef idx="0"/>
+    <cs:effectRef idx="0"/>
+    <cs:fontRef idx="minor">
+      <a:schemeClr val="tx1"/>
+    </cs:fontRef>
+    <cs:spPr>
+      <a:ln w="9525" cap="flat" cmpd="sng" algn="ctr">
+        <a:solidFill>
+          <a:schemeClr val="tx1">
+            <a:lumMod val="35000"/>
+            <a:lumOff val="65000"/>
+          </a:schemeClr>
+        </a:solidFill>
+        <a:round/>
+      </a:ln>
+    </cs:spPr>
+  </cs:leaderLine>
+  <cs:legend>
+    <cs:lnRef idx="0"/>
+    <cs:fillRef idx="0"/>
+    <cs:effectRef idx="0"/>
+    <cs:fontRef idx="minor">
+      <a:schemeClr val="tx1">
+        <a:lumMod val="65000"/>
+        <a:lumOff val="35000"/>
+      </a:schemeClr>
+    </cs:fontRef>
+    <cs:defRPr sz="1197" kern="1200"/>
+  </cs:legend>
+  <cs:plotArea mods="allowNoFillOverride allowNoLineOverride">
+    <cs:lnRef idx="0"/>
+    <cs:fillRef idx="0"/>
+    <cs:effectRef idx="0"/>
+    <cs:fontRef idx="minor">
+      <a:schemeClr val="tx1"/>
+    </cs:fontRef>
+  </cs:plotArea>
+  <cs:plotArea3D mods="allowNoFillOverride allowNoLineOverride">
+    <cs:lnRef idx="0"/>
+    <cs:fillRef idx="0"/>
+    <cs:effectRef idx="0"/>
+    <cs:fontRef idx="minor">
+      <a:schemeClr val="tx1"/>
+    </cs:fontRef>
+  </cs:plotArea3D>
+  <cs:seriesAxis>
+    <cs:lnRef idx="0"/>
+    <cs:fillRef idx="0"/>
+    <cs:effectRef idx="0"/>
+    <cs:fontRef idx="minor">
+      <a:schemeClr val="tx1">
+        <a:lumMod val="65000"/>
+        <a:lumOff val="35000"/>
+      </a:schemeClr>
+    </cs:fontRef>
+    <cs:defRPr sz="1197" kern="1200"/>
+  </cs:seriesAxis>
+  <cs:seriesLine>
+    <cs:lnRef idx="0"/>
+    <cs:fillRef idx="0"/>
+    <cs:effectRef idx="0"/>
+    <cs:fontRef idx="minor">
+      <a:schemeClr val="tx1"/>
+    </cs:fontRef>
+    <cs:spPr>
+      <a:ln w="9525" cap="flat" cmpd="sng" algn="ctr">
+        <a:solidFill>
+          <a:schemeClr val="tx1">
+            <a:lumMod val="35000"/>
+            <a:lumOff val="65000"/>
+          </a:schemeClr>
+        </a:solidFill>
+        <a:round/>
+      </a:ln>
+    </cs:spPr>
+  </cs:seriesLine>
+  <cs:title>
+    <cs:lnRef idx="0"/>
+    <cs:fillRef idx="0"/>
+    <cs:effectRef idx="0"/>
+    <cs:fontRef idx="minor">
+      <a:schemeClr val="tx1">
+        <a:lumMod val="65000"/>
+        <a:lumOff val="35000"/>
+      </a:schemeClr>
+    </cs:fontRef>
+    <cs:defRPr sz="1862" b="0" kern="1200" spc="0" baseline="0"/>
+  </cs:title>
+  <cs:trendline>
+    <cs:lnRef idx="0">
+      <cs:styleClr val="auto"/>
+    </cs:lnRef>
+    <cs:fillRef idx="0"/>
+    <cs:effectRef idx="0"/>
+    <cs:fontRef idx="minor">
+      <a:schemeClr val="tx1"/>
+    </cs:fontRef>
+    <cs:spPr>
+      <a:ln w="19050" cap="rnd">
+        <a:solidFill>
+          <a:schemeClr val="phClr"/>
+        </a:solidFill>
+        <a:prstDash val="sysDot"/>
+      </a:ln>
+    </cs:spPr>
+  </cs:trendline>
+  <cs:trendlineLabel>
+    <cs:lnRef idx="0"/>
+    <cs:fillRef idx="0"/>
+    <cs:effectRef idx="0"/>
+    <cs:fontRef idx="minor">
+      <a:schemeClr val="tx1">
+        <a:lumMod val="65000"/>
+        <a:lumOff val="35000"/>
+      </a:schemeClr>
+    </cs:fontRef>
+    <cs:defRPr sz="1197" kern="1200"/>
+  </cs:trendlineLabel>
+  <cs:upBar>
+    <cs:lnRef idx="0"/>
+    <cs:fillRef idx="0"/>
+    <cs:effectRef idx="0"/>
+    <cs:fontRef idx="minor">
+      <a:schemeClr val="dk1"/>
+    </cs:fontRef>
+    <cs:spPr>
+      <a:solidFill>
+        <a:schemeClr val="lt1"/>
+      </a:solidFill>
+      <a:ln w="9525">
+        <a:solidFill>
+          <a:schemeClr val="tx1">
+            <a:lumMod val="15000"/>
+            <a:lumOff val="85000"/>
+          </a:schemeClr>
+        </a:solidFill>
+      </a:ln>
+    </cs:spPr>
+  </cs:upBar>
+  <cs:valueAxis>
+    <cs:lnRef idx="0"/>
+    <cs:fillRef idx="0"/>
+    <cs:effectRef idx="0"/>
+    <cs:fontRef idx="minor">
+      <a:schemeClr val="tx1">
+        <a:lumMod val="65000"/>
+        <a:lumOff val="35000"/>
+      </a:schemeClr>
+    </cs:fontRef>
+    <cs:defRPr sz="1197" kern="1200"/>
+  </cs:valueAxis>
+  <cs:wall>
+    <cs:lnRef idx="0"/>
+    <cs:fillRef idx="0"/>
+    <cs:effectRef idx="0"/>
+    <cs:fontRef idx="minor">
+      <a:schemeClr val="tx1"/>
+    </cs:fontRef>
+    <cs:spPr>
+      <a:noFill/>
+      <a:ln>
+        <a:noFill/>
+      </a:ln>
+    </cs:spPr>
+  </cs:wall>
+</cs:chartStyle>
+</file>
+
+<file path=ppt/charts/style3.xml><?xml version="1.0" encoding="utf-8"?>
+<cs:chartStyle xmlns:cs="http://schemas.microsoft.com/office/drawing/2012/chartStyle" xmlns:a="http://schemas.openxmlformats.org/drawingml/2006/main" id="227">
+  <cs:axisTitle>
+    <cs:lnRef idx="0"/>
+    <cs:fillRef idx="0"/>
+    <cs:effectRef idx="0"/>
+    <cs:fontRef idx="minor">
+      <a:schemeClr val="tx1">
+        <a:lumMod val="65000"/>
+        <a:lumOff val="35000"/>
+      </a:schemeClr>
+    </cs:fontRef>
+    <cs:defRPr sz="1000" kern="1200"/>
+  </cs:axisTitle>
+  <cs:categoryAxis>
+    <cs:lnRef idx="0"/>
+    <cs:fillRef idx="0"/>
+    <cs:effectRef idx="0"/>
+    <cs:fontRef idx="minor">
+      <a:schemeClr val="tx1">
+        <a:lumMod val="65000"/>
+        <a:lumOff val="35000"/>
+      </a:schemeClr>
+    </cs:fontRef>
+    <cs:spPr>
+      <a:ln w="9525" cap="flat" cmpd="sng" algn="ctr">
+        <a:solidFill>
+          <a:schemeClr val="tx1">
+            <a:lumMod val="15000"/>
+            <a:lumOff val="85000"/>
+          </a:schemeClr>
+        </a:solidFill>
+        <a:round/>
+      </a:ln>
+    </cs:spPr>
+    <cs:defRPr sz="900" kern="1200"/>
+  </cs:categoryAxis>
+  <cs:chartArea mods="allowNoFillOverride allowNoLineOverride">
+    <cs:lnRef idx="0"/>
+    <cs:fillRef idx="0"/>
+    <cs:effectRef idx="0"/>
+    <cs:fontRef idx="minor">
+      <a:schemeClr val="tx1"/>
+    </cs:fontRef>
+    <cs:spPr>
+      <a:solidFill>
+        <a:schemeClr val="bg1"/>
+      </a:solidFill>
+      <a:ln w="9525" cap="flat" cmpd="sng" algn="ctr">
+        <a:solidFill>
+          <a:schemeClr val="tx1">
+            <a:lumMod val="15000"/>
+            <a:lumOff val="85000"/>
+          </a:schemeClr>
+        </a:solidFill>
+        <a:round/>
+      </a:ln>
+    </cs:spPr>
+    <cs:defRPr sz="1000" kern="1200"/>
+  </cs:chartArea>
+  <cs:dataLabel>
+    <cs:lnRef idx="0"/>
+    <cs:fillRef idx="0"/>
+    <cs:effectRef idx="0"/>
+    <cs:fontRef idx="minor">
+      <a:schemeClr val="tx1">
+        <a:lumMod val="75000"/>
+        <a:lumOff val="25000"/>
+      </a:schemeClr>
+    </cs:fontRef>
+    <cs:defRPr sz="900" kern="1200"/>
+  </cs:dataLabel>
+  <cs:dataLabelCallout>
+    <cs:lnRef idx="0"/>
+    <cs:fillRef idx="0"/>
+    <cs:effectRef idx="0"/>
+    <cs:fontRef idx="minor">
+      <a:schemeClr val="dk1">
+        <a:lumMod val="65000"/>
+        <a:lumOff val="35000"/>
+      </a:schemeClr>
+    </cs:fontRef>
+    <cs:spPr>
+      <a:solidFill>
+        <a:schemeClr val="lt1"/>
+      </a:solidFill>
+      <a:ln>
+        <a:solidFill>
+          <a:schemeClr val="dk1">
+            <a:lumMod val="25000"/>
+            <a:lumOff val="75000"/>
+          </a:schemeClr>
+        </a:solidFill>
+      </a:ln>
+    </cs:spPr>
+    <cs:defRPr sz="900" kern="1200"/>
+    <cs:bodyPr rot="0" spcFirstLastPara="1" vertOverflow="clip" horzOverflow="clip" vert="horz" wrap="square" lIns="36576" tIns="18288" rIns="36576" bIns="18288" anchor="ctr" anchorCtr="1">
+      <a:spAutoFit/>
+    </cs:bodyPr>
+  </cs:dataLabelCallout>
+  <cs:dataPoint>
+    <cs:lnRef idx="0"/>
+    <cs:fillRef idx="1">
+      <cs:styleClr val="auto"/>
+    </cs:fillRef>
+    <cs:effectRef idx="0"/>
+    <cs:fontRef idx="minor">
+      <a:schemeClr val="tx1"/>
+    </cs:fontRef>
+    <cs:spPr>
+      <a:solidFill>
+        <a:schemeClr val="phClr"/>
+      </a:solidFill>
+    </cs:spPr>
+  </cs:dataPoint>
+  <cs:dataPoint3D>
+    <cs:lnRef idx="0"/>
+    <cs:fillRef idx="1">
+      <cs:styleClr val="auto"/>
+    </cs:fillRef>
+    <cs:effectRef idx="0"/>
+    <cs:fontRef idx="minor">
+      <a:schemeClr val="tx1"/>
+    </cs:fontRef>
+    <cs:spPr>
+      <a:solidFill>
+        <a:schemeClr val="phClr"/>
+      </a:solidFill>
+    </cs:spPr>
+  </cs:dataPoint3D>
+  <cs:dataPointLine>
+    <cs:lnRef idx="0">
+      <cs:styleClr val="auto"/>
+    </cs:lnRef>
+    <cs:fillRef idx="1"/>
+    <cs:effectRef idx="0"/>
+    <cs:fontRef idx="minor">
+      <a:schemeClr val="tx1"/>
+    </cs:fontRef>
+    <cs:spPr>
+      <a:ln w="28575" cap="rnd">
+        <a:solidFill>
+          <a:schemeClr val="phClr"/>
+        </a:solidFill>
+        <a:round/>
+      </a:ln>
+    </cs:spPr>
+  </cs:dataPointLine>
+  <cs:dataPointMarker>
+    <cs:lnRef idx="0">
+      <cs:styleClr val="auto"/>
+    </cs:lnRef>
+    <cs:fillRef idx="1">
+      <cs:styleClr val="auto"/>
+    </cs:fillRef>
+    <cs:effectRef idx="0"/>
+    <cs:fontRef idx="minor">
+      <a:schemeClr val="tx1"/>
+    </cs:fontRef>
+    <cs:spPr>
+      <a:solidFill>
+        <a:schemeClr val="phClr"/>
+      </a:solidFill>
+      <a:ln w="9525">
+        <a:solidFill>
+          <a:schemeClr val="phClr"/>
+        </a:solidFill>
+      </a:ln>
+    </cs:spPr>
+  </cs:dataPointMarker>
+  <cs:dataPointMarkerLayout symbol="circle" size="5"/>
+  <cs:dataPointWireframe>
+    <cs:lnRef idx="0">
+      <cs:styleClr val="auto"/>
+    </cs:lnRef>
+    <cs:fillRef idx="1"/>
+    <cs:effectRef idx="0"/>
+    <cs:fontRef idx="minor">
+      <a:schemeClr val="tx1"/>
+    </cs:fontRef>
+    <cs:spPr>
+      <a:ln w="9525" cap="rnd">
+        <a:solidFill>
+          <a:schemeClr val="phClr"/>
+        </a:solidFill>
+        <a:round/>
+      </a:ln>
+    </cs:spPr>
+  </cs:dataPointWireframe>
+  <cs:dataTable>
+    <cs:lnRef idx="0"/>
+    <cs:fillRef idx="0"/>
+    <cs:effectRef idx="0"/>
+    <cs:fontRef idx="minor">
+      <a:schemeClr val="tx1">
+        <a:lumMod val="65000"/>
+        <a:lumOff val="35000"/>
+      </a:schemeClr>
+    </cs:fontRef>
+    <cs:spPr>
+      <a:noFill/>
+      <a:ln w="9525" cap="flat" cmpd="sng" algn="ctr">
+        <a:solidFill>
+          <a:schemeClr val="tx1">
+            <a:lumMod val="15000"/>
+            <a:lumOff val="85000"/>
+          </a:schemeClr>
+        </a:solidFill>
+        <a:round/>
+      </a:ln>
+    </cs:spPr>
+    <cs:defRPr sz="900" kern="1200"/>
+  </cs:dataTable>
+  <cs:downBar>
+    <cs:lnRef idx="0"/>
+    <cs:fillRef idx="0"/>
+    <cs:effectRef idx="0"/>
+    <cs:fontRef idx="minor">
+      <a:schemeClr val="dk1"/>
+    </cs:fontRef>
+    <cs:spPr>
+      <a:solidFill>
+        <a:schemeClr val="dk1">
+          <a:lumMod val="65000"/>
+          <a:lumOff val="35000"/>
+        </a:schemeClr>
+      </a:solidFill>
+      <a:ln w="9525">
+        <a:solidFill>
+          <a:schemeClr val="tx1">
+            <a:lumMod val="65000"/>
+            <a:lumOff val="35000"/>
+          </a:schemeClr>
+        </a:solidFill>
+      </a:ln>
+    </cs:spPr>
+  </cs:downBar>
+  <cs:dropLine>
+    <cs:lnRef idx="0"/>
+    <cs:fillRef idx="0"/>
+    <cs:effectRef idx="0"/>
+    <cs:fontRef idx="minor">
+      <a:schemeClr val="tx1"/>
+    </cs:fontRef>
+    <cs:spPr>
+      <a:ln w="9525" cap="flat" cmpd="sng" algn="ctr">
+        <a:solidFill>
+          <a:schemeClr val="tx1">
+            <a:lumMod val="35000"/>
+            <a:lumOff val="65000"/>
+          </a:schemeClr>
+        </a:solidFill>
+        <a:round/>
+      </a:ln>
+    </cs:spPr>
+  </cs:dropLine>
+  <cs:errorBar>
+    <cs:lnRef idx="0"/>
+    <cs:fillRef idx="0"/>
+    <cs:effectRef idx="0"/>
+    <cs:fontRef idx="minor">
+      <a:schemeClr val="tx1"/>
+    </cs:fontRef>
+    <cs:spPr>
+      <a:ln w="9525" cap="flat" cmpd="sng" algn="ctr">
+        <a:solidFill>
+          <a:schemeClr val="tx1">
+            <a:lumMod val="65000"/>
+            <a:lumOff val="35000"/>
+          </a:schemeClr>
+        </a:solidFill>
+        <a:round/>
+      </a:ln>
+    </cs:spPr>
+  </cs:errorBar>
+  <cs:floor>
+    <cs:lnRef idx="0"/>
+    <cs:fillRef idx="0"/>
+    <cs:effectRef idx="0"/>
+    <cs:fontRef idx="minor">
+      <a:schemeClr val="tx1"/>
+    </cs:fontRef>
+    <cs:spPr>
+      <a:noFill/>
+      <a:ln>
+        <a:noFill/>
+      </a:ln>
+    </cs:spPr>
+  </cs:floor>
+  <cs:gridlineMajor>
+    <cs:lnRef idx="0"/>
+    <cs:fillRef idx="0"/>
+    <cs:effectRef idx="0"/>
+    <cs:fontRef idx="minor">
+      <a:schemeClr val="tx1"/>
+    </cs:fontRef>
+    <cs:spPr>
+      <a:ln w="9525" cap="flat" cmpd="sng" algn="ctr">
+        <a:solidFill>
+          <a:schemeClr val="tx1">
+            <a:lumMod val="15000"/>
+            <a:lumOff val="85000"/>
+          </a:schemeClr>
+        </a:solidFill>
+        <a:round/>
+      </a:ln>
+    </cs:spPr>
+  </cs:gridlineMajor>
+  <cs:gridlineMinor>
+    <cs:lnRef idx="0"/>
+    <cs:fillRef idx="0"/>
+    <cs:effectRef idx="0"/>
+    <cs:fontRef idx="minor">
+      <a:schemeClr val="tx1"/>
+    </cs:fontRef>
+    <cs:spPr>
+      <a:ln w="9525" cap="flat" cmpd="sng" algn="ctr">
+        <a:solidFill>
+          <a:schemeClr val="tx1">
+            <a:lumMod val="5000"/>
+            <a:lumOff val="95000"/>
+          </a:schemeClr>
+        </a:solidFill>
+        <a:round/>
+      </a:ln>
+    </cs:spPr>
+  </cs:gridlineMinor>
+  <cs:hiLoLine>
+    <cs:lnRef idx="0"/>
+    <cs:fillRef idx="0"/>
+    <cs:effectRef idx="0"/>
+    <cs:fontRef idx="minor">
+      <a:schemeClr val="tx1"/>
+    </cs:fontRef>
+    <cs:spPr>
+      <a:ln w="9525" cap="flat" cmpd="sng" algn="ctr">
+        <a:solidFill>
+          <a:schemeClr val="tx1">
+            <a:lumMod val="75000"/>
+            <a:lumOff val="25000"/>
+          </a:schemeClr>
+        </a:solidFill>
+        <a:round/>
+      </a:ln>
+    </cs:spPr>
+  </cs:hiLoLine>
+  <cs:leaderLine>
+    <cs:lnRef idx="0"/>
+    <cs:fillRef idx="0"/>
+    <cs:effectRef idx="0"/>
+    <cs:fontRef idx="minor">
+      <a:schemeClr val="tx1"/>
+    </cs:fontRef>
+    <cs:spPr>
+      <a:ln w="9525" cap="flat" cmpd="sng" algn="ctr">
+        <a:solidFill>
+          <a:schemeClr val="tx1">
+            <a:lumMod val="35000"/>
+            <a:lumOff val="65000"/>
+          </a:schemeClr>
+        </a:solidFill>
+        <a:round/>
+      </a:ln>
+    </cs:spPr>
+  </cs:leaderLine>
+  <cs:legend>
+    <cs:lnRef idx="0"/>
+    <cs:fillRef idx="0"/>
+    <cs:effectRef idx="0"/>
+    <cs:fontRef idx="minor">
+      <a:schemeClr val="tx1">
+        <a:lumMod val="65000"/>
+        <a:lumOff val="35000"/>
+      </a:schemeClr>
+    </cs:fontRef>
+    <cs:defRPr sz="900" kern="1200"/>
+  </cs:legend>
+  <cs:plotArea mods="allowNoFillOverride allowNoLineOverride">
+    <cs:lnRef idx="0"/>
+    <cs:fillRef idx="0"/>
+    <cs:effectRef idx="0"/>
+    <cs:fontRef idx="minor">
+      <a:schemeClr val="tx1"/>
+    </cs:fontRef>
+  </cs:plotArea>
+  <cs:plotArea3D mods="allowNoFillOverride allowNoLineOverride">
+    <cs:lnRef idx="0"/>
+    <cs:fillRef idx="0"/>
+    <cs:effectRef idx="0"/>
+    <cs:fontRef idx="minor">
+      <a:schemeClr val="tx1"/>
+    </cs:fontRef>
+  </cs:plotArea3D>
+  <cs:seriesAxis>
+    <cs:lnRef idx="0"/>
+    <cs:fillRef idx="0"/>
+    <cs:effectRef idx="0"/>
+    <cs:fontRef idx="minor">
+      <a:schemeClr val="tx1">
+        <a:lumMod val="65000"/>
+        <a:lumOff val="35000"/>
+      </a:schemeClr>
+    </cs:fontRef>
+    <cs:defRPr sz="900" kern="1200"/>
+  </cs:seriesAxis>
+  <cs:seriesLine>
+    <cs:lnRef idx="0"/>
+    <cs:fillRef idx="0"/>
+    <cs:effectRef idx="0"/>
+    <cs:fontRef idx="minor">
+      <a:schemeClr val="tx1"/>
+    </cs:fontRef>
+    <cs:spPr>
+      <a:ln w="9525" cap="flat" cmpd="sng" algn="ctr">
+        <a:solidFill>
+          <a:schemeClr val="tx1">
+            <a:lumMod val="35000"/>
+            <a:lumOff val="65000"/>
+          </a:schemeClr>
+        </a:solidFill>
+        <a:round/>
+      </a:ln>
+    </cs:spPr>
+  </cs:seriesLine>
+  <cs:title>
+    <cs:lnRef idx="0"/>
+    <cs:fillRef idx="0"/>
+    <cs:effectRef idx="0"/>
+    <cs:fontRef idx="minor">
+      <a:schemeClr val="tx1">
+        <a:lumMod val="65000"/>
+        <a:lumOff val="35000"/>
+      </a:schemeClr>
+    </cs:fontRef>
+    <cs:defRPr sz="1400" b="0" kern="1200" spc="0" baseline="0"/>
+  </cs:title>
+  <cs:trendline>
+    <cs:lnRef idx="0">
+      <cs:styleClr val="auto"/>
+    </cs:lnRef>
+    <cs:fillRef idx="0"/>
+    <cs:effectRef idx="0"/>
+    <cs:fontRef idx="minor">
+      <a:schemeClr val="tx1"/>
+    </cs:fontRef>
+    <cs:spPr>
+      <a:ln w="19050" cap="rnd">
+        <a:solidFill>
+          <a:schemeClr val="phClr"/>
+        </a:solidFill>
+        <a:prstDash val="sysDot"/>
+      </a:ln>
+    </cs:spPr>
+  </cs:trendline>
+  <cs:trendlineLabel>
+    <cs:lnRef idx="0"/>
+    <cs:fillRef idx="0"/>
+    <cs:effectRef idx="0"/>
+    <cs:fontRef idx="minor">
+      <a:schemeClr val="tx1">
+        <a:lumMod val="65000"/>
+        <a:lumOff val="35000"/>
+      </a:schemeClr>
+    </cs:fontRef>
+    <cs:defRPr sz="900" kern="1200"/>
+  </cs:trendlineLabel>
+  <cs:upBar>
+    <cs:lnRef idx="0"/>
+    <cs:fillRef idx="0"/>
+    <cs:effectRef idx="0"/>
+    <cs:fontRef idx="minor">
+      <a:schemeClr val="dk1"/>
+    </cs:fontRef>
+    <cs:spPr>
+      <a:solidFill>
+        <a:schemeClr val="lt1"/>
+      </a:solidFill>
+      <a:ln w="9525">
+        <a:solidFill>
+          <a:schemeClr val="tx1">
+            <a:lumMod val="15000"/>
+            <a:lumOff val="85000"/>
+          </a:schemeClr>
+        </a:solidFill>
+      </a:ln>
+    </cs:spPr>
+  </cs:upBar>
+  <cs:valueAxis>
+    <cs:lnRef idx="0"/>
+    <cs:fillRef idx="0"/>
+    <cs:effectRef idx="0"/>
+    <cs:fontRef idx="minor">
+      <a:schemeClr val="tx1">
+        <a:lumMod val="65000"/>
+        <a:lumOff val="35000"/>
+      </a:schemeClr>
+    </cs:fontRef>
+    <cs:defRPr sz="900" kern="1200"/>
+  </cs:valueAxis>
+  <cs:wall>
+    <cs:lnRef idx="0"/>
+    <cs:fillRef idx="0"/>
+    <cs:effectRef idx="0"/>
+    <cs:fontRef idx="minor">
+      <a:schemeClr val="tx1"/>
+    </cs:fontRef>
+    <cs:spPr>
+      <a:noFill/>
+      <a:ln>
+        <a:noFill/>
+      </a:ln>
+    </cs:spPr>
+  </cs:wall>
+</cs:chartStyle>
 </file>
 
 <file path=ppt/slideLayouts/slideLayout1.xml><?xml version="1.0" encoding="utf-8"?>
@@ -154,7 +3174,7 @@
           </a:lstStyle>
           <a:p>
             <a:r>
-              <a:rPr lang="en-US" smtClean="0"/>
+              <a:rPr lang="en-US"/>
               <a:t>Click to edit Master title style</a:t>
             </a:r>
             <a:endParaRPr lang="en-US" dirty="0"/>
@@ -274,7 +3294,7 @@
           </a:lstStyle>
           <a:p>
             <a:r>
-              <a:rPr lang="en-US" smtClean="0"/>
+              <a:rPr lang="en-US"/>
               <a:t>Click to edit Master subtitle style</a:t>
             </a:r>
             <a:endParaRPr lang="en-US" dirty="0"/>
@@ -403,7 +3423,7 @@
           </a:lstStyle>
           <a:p>
             <a:r>
-              <a:rPr lang="en-US" smtClean="0"/>
+              <a:rPr lang="en-US"/>
               <a:t>Click to edit Master title style</a:t>
             </a:r>
             <a:endParaRPr lang="en-US" dirty="0"/>
@@ -482,7 +3502,7 @@
           </a:lstStyle>
           <a:p>
             <a:r>
-              <a:rPr lang="en-US" smtClean="0"/>
+              <a:rPr lang="en-US"/>
               <a:t>Click icon to add picture</a:t>
             </a:r>
             <a:endParaRPr lang="en-US" dirty="0"/>
@@ -550,7 +3570,7 @@
           <a:p>
             <a:pPr lvl="0"/>
             <a:r>
-              <a:rPr lang="en-US" smtClean="0"/>
+              <a:rPr lang="en-US"/>
               <a:t>Click to edit Master text styles</a:t>
             </a:r>
           </a:p>
@@ -676,7 +3696,7 @@
           </a:lstStyle>
           <a:p>
             <a:r>
-              <a:rPr lang="en-US" smtClean="0"/>
+              <a:rPr lang="en-US"/>
               <a:t>Click to edit Master title style</a:t>
             </a:r>
             <a:endParaRPr lang="en-US" dirty="0"/>
@@ -744,7 +3764,7 @@
           <a:p>
             <a:pPr lvl="0"/>
             <a:r>
-              <a:rPr lang="en-US" smtClean="0"/>
+              <a:rPr lang="en-US"/>
               <a:t>Click to edit Master text styles</a:t>
             </a:r>
           </a:p>
@@ -870,7 +3890,7 @@
           </a:lstStyle>
           <a:p>
             <a:r>
-              <a:rPr lang="en-US" smtClean="0"/>
+              <a:rPr lang="en-US"/>
               <a:t>Click to edit Master title style</a:t>
             </a:r>
             <a:endParaRPr lang="en-US" dirty="0"/>
@@ -950,7 +3970,7 @@
               <a:buNone/>
             </a:pPr>
             <a:r>
-              <a:rPr lang="en-US" smtClean="0"/>
+              <a:rPr lang="en-US"/>
               <a:t>Click to edit Master text styles</a:t>
             </a:r>
           </a:p>
@@ -1017,7 +4037,7 @@
           <a:p>
             <a:pPr lvl="0"/>
             <a:r>
-              <a:rPr lang="en-US" smtClean="0"/>
+              <a:rPr lang="en-US"/>
               <a:t>Click to edit Master text styles</a:t>
             </a:r>
           </a:p>
@@ -1237,7 +4257,7 @@
           </a:lstStyle>
           <a:p>
             <a:r>
-              <a:rPr lang="en-US" smtClean="0"/>
+              <a:rPr lang="en-US"/>
               <a:t>Click to edit Master title style</a:t>
             </a:r>
             <a:endParaRPr lang="en-US" dirty="0"/>
@@ -1358,7 +4378,7 @@
           <a:p>
             <a:pPr lvl="0"/>
             <a:r>
-              <a:rPr lang="en-US" smtClean="0"/>
+              <a:rPr lang="en-US"/>
               <a:t>Click to edit Master text styles</a:t>
             </a:r>
           </a:p>
@@ -1479,7 +4499,7 @@
           </a:lstStyle>
           <a:p>
             <a:r>
-              <a:rPr lang="en-US" smtClean="0"/>
+              <a:rPr lang="en-US"/>
               <a:t>Click to edit Master title style</a:t>
             </a:r>
             <a:endParaRPr lang="en-US" dirty="0"/>
@@ -1554,7 +4574,7 @@
           <a:p>
             <a:pPr lvl="0"/>
             <a:r>
-              <a:rPr lang="en-US" smtClean="0"/>
+              <a:rPr lang="en-US"/>
               <a:t>Click to edit Master text styles</a:t>
             </a:r>
           </a:p>
@@ -1621,7 +4641,7 @@
           <a:p>
             <a:pPr lvl="0"/>
             <a:r>
-              <a:rPr lang="en-US" smtClean="0"/>
+              <a:rPr lang="en-US"/>
               <a:t>Click to edit Master text styles</a:t>
             </a:r>
           </a:p>
@@ -1695,7 +4715,7 @@
           <a:p>
             <a:pPr lvl="0"/>
             <a:r>
-              <a:rPr lang="en-US" smtClean="0"/>
+              <a:rPr lang="en-US"/>
               <a:t>Click to edit Master text styles</a:t>
             </a:r>
           </a:p>
@@ -1762,7 +4782,7 @@
           <a:p>
             <a:pPr lvl="0"/>
             <a:r>
-              <a:rPr lang="en-US" smtClean="0"/>
+              <a:rPr lang="en-US"/>
               <a:t>Click to edit Master text styles</a:t>
             </a:r>
           </a:p>
@@ -1836,7 +4856,7 @@
           <a:p>
             <a:pPr lvl="0"/>
             <a:r>
-              <a:rPr lang="en-US" smtClean="0"/>
+              <a:rPr lang="en-US"/>
               <a:t>Click to edit Master text styles</a:t>
             </a:r>
           </a:p>
@@ -1903,7 +4923,7 @@
           <a:p>
             <a:pPr lvl="0"/>
             <a:r>
-              <a:rPr lang="en-US" smtClean="0"/>
+              <a:rPr lang="en-US"/>
               <a:t>Click to edit Master text styles</a:t>
             </a:r>
           </a:p>
@@ -2102,7 +5122,7 @@
           </a:lstStyle>
           <a:p>
             <a:r>
-              <a:rPr lang="en-US" smtClean="0"/>
+              <a:rPr lang="en-US"/>
               <a:t>Click to edit Master title style</a:t>
             </a:r>
             <a:endParaRPr lang="en-US" dirty="0"/>
@@ -2177,7 +5197,7 @@
           <a:p>
             <a:pPr lvl="0"/>
             <a:r>
-              <a:rPr lang="en-US" smtClean="0"/>
+              <a:rPr lang="en-US"/>
               <a:t>Click to edit Master text styles</a:t>
             </a:r>
           </a:p>
@@ -2255,7 +5275,7 @@
           </a:lstStyle>
           <a:p>
             <a:r>
-              <a:rPr lang="en-US" smtClean="0"/>
+              <a:rPr lang="en-US"/>
               <a:t>Click icon to add picture</a:t>
             </a:r>
             <a:endParaRPr lang="en-US" dirty="0"/>
@@ -2323,7 +5343,7 @@
           <a:p>
             <a:pPr lvl="0"/>
             <a:r>
-              <a:rPr lang="en-US" smtClean="0"/>
+              <a:rPr lang="en-US"/>
               <a:t>Click to edit Master text styles</a:t>
             </a:r>
           </a:p>
@@ -2397,7 +5417,7 @@
           <a:p>
             <a:pPr lvl="0"/>
             <a:r>
-              <a:rPr lang="en-US" smtClean="0"/>
+              <a:rPr lang="en-US"/>
               <a:t>Click to edit Master text styles</a:t>
             </a:r>
           </a:p>
@@ -2475,7 +5495,7 @@
           </a:lstStyle>
           <a:p>
             <a:r>
-              <a:rPr lang="en-US" smtClean="0"/>
+              <a:rPr lang="en-US"/>
               <a:t>Click icon to add picture</a:t>
             </a:r>
             <a:endParaRPr lang="en-US" dirty="0"/>
@@ -2543,7 +5563,7 @@
           <a:p>
             <a:pPr lvl="0"/>
             <a:r>
-              <a:rPr lang="en-US" smtClean="0"/>
+              <a:rPr lang="en-US"/>
               <a:t>Click to edit Master text styles</a:t>
             </a:r>
           </a:p>
@@ -2617,7 +5637,7 @@
           <a:p>
             <a:pPr lvl="0"/>
             <a:r>
-              <a:rPr lang="en-US" smtClean="0"/>
+              <a:rPr lang="en-US"/>
               <a:t>Click to edit Master text styles</a:t>
             </a:r>
           </a:p>
@@ -2695,7 +5715,7 @@
           </a:lstStyle>
           <a:p>
             <a:r>
-              <a:rPr lang="en-US" smtClean="0"/>
+              <a:rPr lang="en-US"/>
               <a:t>Click icon to add picture</a:t>
             </a:r>
             <a:endParaRPr lang="en-US" dirty="0"/>
@@ -2763,7 +5783,7 @@
           <a:p>
             <a:pPr lvl="0"/>
             <a:r>
-              <a:rPr lang="en-US" smtClean="0"/>
+              <a:rPr lang="en-US"/>
               <a:t>Click to edit Master text styles</a:t>
             </a:r>
           </a:p>
@@ -2958,7 +5978,7 @@
           <a:lstStyle/>
           <a:p>
             <a:r>
-              <a:rPr lang="en-US" smtClean="0"/>
+              <a:rPr lang="en-US"/>
               <a:t>Click to edit Master title style</a:t>
             </a:r>
             <a:endParaRPr lang="en-US" dirty="0"/>
@@ -2982,35 +6002,35 @@
           <a:p>
             <a:pPr lvl="0"/>
             <a:r>
-              <a:rPr lang="en-US" smtClean="0"/>
+              <a:rPr lang="en-US"/>
               <a:t>Click to edit Master text styles</a:t>
             </a:r>
           </a:p>
           <a:p>
             <a:pPr lvl="1"/>
             <a:r>
-              <a:rPr lang="en-US" smtClean="0"/>
+              <a:rPr lang="en-US"/>
               <a:t>Second level</a:t>
             </a:r>
           </a:p>
           <a:p>
             <a:pPr lvl="2"/>
             <a:r>
-              <a:rPr lang="en-US" smtClean="0"/>
+              <a:rPr lang="en-US"/>
               <a:t>Third level</a:t>
             </a:r>
           </a:p>
           <a:p>
             <a:pPr lvl="3"/>
             <a:r>
-              <a:rPr lang="en-US" smtClean="0"/>
+              <a:rPr lang="en-US"/>
               <a:t>Fourth level</a:t>
             </a:r>
           </a:p>
           <a:p>
             <a:pPr lvl="4"/>
             <a:r>
-              <a:rPr lang="en-US" smtClean="0"/>
+              <a:rPr lang="en-US"/>
               <a:t>Fifth level</a:t>
             </a:r>
             <a:endParaRPr lang="en-US" dirty="0"/>
@@ -3133,7 +6153,7 @@
           <a:lstStyle/>
           <a:p>
             <a:r>
-              <a:rPr lang="en-US" smtClean="0"/>
+              <a:rPr lang="en-US"/>
               <a:t>Click to edit Master title style</a:t>
             </a:r>
             <a:endParaRPr lang="en-US" dirty="0"/>
@@ -3162,35 +6182,35 @@
           <a:p>
             <a:pPr lvl="0"/>
             <a:r>
-              <a:rPr lang="en-US" smtClean="0"/>
+              <a:rPr lang="en-US"/>
               <a:t>Click to edit Master text styles</a:t>
             </a:r>
           </a:p>
           <a:p>
             <a:pPr lvl="1"/>
             <a:r>
-              <a:rPr lang="en-US" smtClean="0"/>
+              <a:rPr lang="en-US"/>
               <a:t>Second level</a:t>
             </a:r>
           </a:p>
           <a:p>
             <a:pPr lvl="2"/>
             <a:r>
-              <a:rPr lang="en-US" smtClean="0"/>
+              <a:rPr lang="en-US"/>
               <a:t>Third level</a:t>
             </a:r>
           </a:p>
           <a:p>
             <a:pPr lvl="3"/>
             <a:r>
-              <a:rPr lang="en-US" smtClean="0"/>
+              <a:rPr lang="en-US"/>
               <a:t>Fourth level</a:t>
             </a:r>
           </a:p>
           <a:p>
             <a:pPr lvl="4"/>
             <a:r>
-              <a:rPr lang="en-US" smtClean="0"/>
+              <a:rPr lang="en-US"/>
               <a:t>Fifth level</a:t>
             </a:r>
             <a:endParaRPr lang="en-US" dirty="0"/>
@@ -3308,7 +6328,7 @@
           <a:lstStyle/>
           <a:p>
             <a:r>
-              <a:rPr lang="en-US" smtClean="0"/>
+              <a:rPr lang="en-US"/>
               <a:t>Click to edit Master title style</a:t>
             </a:r>
             <a:endParaRPr lang="en-US" dirty="0"/>
@@ -3332,35 +6352,35 @@
           <a:p>
             <a:pPr lvl="0"/>
             <a:r>
-              <a:rPr lang="en-US" smtClean="0"/>
+              <a:rPr lang="en-US"/>
               <a:t>Click to edit Master text styles</a:t>
             </a:r>
           </a:p>
           <a:p>
             <a:pPr lvl="1"/>
             <a:r>
-              <a:rPr lang="en-US" smtClean="0"/>
+              <a:rPr lang="en-US"/>
               <a:t>Second level</a:t>
             </a:r>
           </a:p>
           <a:p>
             <a:pPr lvl="2"/>
             <a:r>
-              <a:rPr lang="en-US" smtClean="0"/>
+              <a:rPr lang="en-US"/>
               <a:t>Third level</a:t>
             </a:r>
           </a:p>
           <a:p>
             <a:pPr lvl="3"/>
             <a:r>
-              <a:rPr lang="en-US" smtClean="0"/>
+              <a:rPr lang="en-US"/>
               <a:t>Fourth level</a:t>
             </a:r>
           </a:p>
           <a:p>
             <a:pPr lvl="4"/>
             <a:r>
-              <a:rPr lang="en-US" smtClean="0"/>
+              <a:rPr lang="en-US"/>
               <a:t>Fifth level</a:t>
             </a:r>
             <a:endParaRPr lang="en-US" dirty="0"/>
@@ -3487,7 +6507,7 @@
           </a:lstStyle>
           <a:p>
             <a:r>
-              <a:rPr lang="en-US" smtClean="0"/>
+              <a:rPr lang="en-US"/>
               <a:t>Click to edit Master title style</a:t>
             </a:r>
             <a:endParaRPr lang="en-US" dirty="0"/>
@@ -3608,7 +6628,7 @@
           <a:p>
             <a:pPr lvl="0"/>
             <a:r>
-              <a:rPr lang="en-US" smtClean="0"/>
+              <a:rPr lang="en-US"/>
               <a:t>Click to edit Master text styles</a:t>
             </a:r>
           </a:p>
@@ -3725,7 +6745,7 @@
           <a:lstStyle/>
           <a:p>
             <a:r>
-              <a:rPr lang="en-US" smtClean="0"/>
+              <a:rPr lang="en-US"/>
               <a:t>Click to edit Master title style</a:t>
             </a:r>
             <a:endParaRPr lang="en-US" dirty="0"/>
@@ -3784,35 +6804,35 @@
           <a:p>
             <a:pPr lvl="0"/>
             <a:r>
-              <a:rPr lang="en-US" smtClean="0"/>
+              <a:rPr lang="en-US"/>
               <a:t>Click to edit Master text styles</a:t>
             </a:r>
           </a:p>
           <a:p>
             <a:pPr lvl="1"/>
             <a:r>
-              <a:rPr lang="en-US" smtClean="0"/>
+              <a:rPr lang="en-US"/>
               <a:t>Second level</a:t>
             </a:r>
           </a:p>
           <a:p>
             <a:pPr lvl="2"/>
             <a:r>
-              <a:rPr lang="en-US" smtClean="0"/>
+              <a:rPr lang="en-US"/>
               <a:t>Third level</a:t>
             </a:r>
           </a:p>
           <a:p>
             <a:pPr lvl="3"/>
             <a:r>
-              <a:rPr lang="en-US" smtClean="0"/>
+              <a:rPr lang="en-US"/>
               <a:t>Fourth level</a:t>
             </a:r>
           </a:p>
           <a:p>
             <a:pPr lvl="4"/>
             <a:r>
-              <a:rPr lang="en-US" smtClean="0"/>
+              <a:rPr lang="en-US"/>
               <a:t>Fifth level</a:t>
             </a:r>
             <a:endParaRPr lang="en-US" dirty="0"/>
@@ -3871,35 +6891,35 @@
           <a:p>
             <a:pPr lvl="0"/>
             <a:r>
-              <a:rPr lang="en-US" smtClean="0"/>
+              <a:rPr lang="en-US"/>
               <a:t>Click to edit Master text styles</a:t>
             </a:r>
           </a:p>
           <a:p>
             <a:pPr lvl="1"/>
             <a:r>
-              <a:rPr lang="en-US" smtClean="0"/>
+              <a:rPr lang="en-US"/>
               <a:t>Second level</a:t>
             </a:r>
           </a:p>
           <a:p>
             <a:pPr lvl="2"/>
             <a:r>
-              <a:rPr lang="en-US" smtClean="0"/>
+              <a:rPr lang="en-US"/>
               <a:t>Third level</a:t>
             </a:r>
           </a:p>
           <a:p>
             <a:pPr lvl="3"/>
             <a:r>
-              <a:rPr lang="en-US" smtClean="0"/>
+              <a:rPr lang="en-US"/>
               <a:t>Fourth level</a:t>
             </a:r>
           </a:p>
           <a:p>
             <a:pPr lvl="4"/>
             <a:r>
-              <a:rPr lang="en-US" smtClean="0"/>
+              <a:rPr lang="en-US"/>
               <a:t>Fifth level</a:t>
             </a:r>
             <a:endParaRPr lang="en-US" dirty="0"/>
@@ -4021,7 +7041,7 @@
           </a:lstStyle>
           <a:p>
             <a:r>
-              <a:rPr lang="en-US" smtClean="0"/>
+              <a:rPr lang="en-US"/>
               <a:t>Click to edit Master title style</a:t>
             </a:r>
             <a:endParaRPr lang="en-US" dirty="0"/>
@@ -4096,7 +7116,7 @@
           <a:p>
             <a:pPr lvl="0"/>
             <a:r>
-              <a:rPr lang="en-US" smtClean="0"/>
+              <a:rPr lang="en-US"/>
               <a:t>Click to edit Master text styles</a:t>
             </a:r>
           </a:p>
@@ -4154,35 +7174,35 @@
           <a:p>
             <a:pPr lvl="0"/>
             <a:r>
-              <a:rPr lang="en-US" smtClean="0"/>
+              <a:rPr lang="en-US"/>
               <a:t>Click to edit Master text styles</a:t>
             </a:r>
           </a:p>
           <a:p>
             <a:pPr lvl="1"/>
             <a:r>
-              <a:rPr lang="en-US" smtClean="0"/>
+              <a:rPr lang="en-US"/>
               <a:t>Second level</a:t>
             </a:r>
           </a:p>
           <a:p>
             <a:pPr lvl="2"/>
             <a:r>
-              <a:rPr lang="en-US" smtClean="0"/>
+              <a:rPr lang="en-US"/>
               <a:t>Third level</a:t>
             </a:r>
           </a:p>
           <a:p>
             <a:pPr lvl="3"/>
             <a:r>
-              <a:rPr lang="en-US" smtClean="0"/>
+              <a:rPr lang="en-US"/>
               <a:t>Fourth level</a:t>
             </a:r>
           </a:p>
           <a:p>
             <a:pPr lvl="4"/>
             <a:r>
-              <a:rPr lang="en-US" smtClean="0"/>
+              <a:rPr lang="en-US"/>
               <a:t>Fifth level</a:t>
             </a:r>
             <a:endParaRPr lang="en-US" dirty="0"/>
@@ -4257,7 +7277,7 @@
           <a:p>
             <a:pPr lvl="0"/>
             <a:r>
-              <a:rPr lang="en-US" smtClean="0"/>
+              <a:rPr lang="en-US"/>
               <a:t>Click to edit Master text styles</a:t>
             </a:r>
           </a:p>
@@ -4315,35 +7335,35 @@
           <a:p>
             <a:pPr lvl="0"/>
             <a:r>
-              <a:rPr lang="en-US" smtClean="0"/>
+              <a:rPr lang="en-US"/>
               <a:t>Click to edit Master text styles</a:t>
             </a:r>
           </a:p>
           <a:p>
             <a:pPr lvl="1"/>
             <a:r>
-              <a:rPr lang="en-US" smtClean="0"/>
+              <a:rPr lang="en-US"/>
               <a:t>Second level</a:t>
             </a:r>
           </a:p>
           <a:p>
             <a:pPr lvl="2"/>
             <a:r>
-              <a:rPr lang="en-US" smtClean="0"/>
+              <a:rPr lang="en-US"/>
               <a:t>Third level</a:t>
             </a:r>
           </a:p>
           <a:p>
             <a:pPr lvl="3"/>
             <a:r>
-              <a:rPr lang="en-US" smtClean="0"/>
+              <a:rPr lang="en-US"/>
               <a:t>Fourth level</a:t>
             </a:r>
           </a:p>
           <a:p>
             <a:pPr lvl="4"/>
             <a:r>
-              <a:rPr lang="en-US" smtClean="0"/>
+              <a:rPr lang="en-US"/>
               <a:t>Fifth level</a:t>
             </a:r>
             <a:endParaRPr lang="en-US" dirty="0"/>
@@ -4461,7 +7481,7 @@
           <a:lstStyle/>
           <a:p>
             <a:r>
-              <a:rPr lang="en-US" smtClean="0"/>
+              <a:rPr lang="en-US"/>
               <a:t>Click to edit Master title style</a:t>
             </a:r>
             <a:endParaRPr lang="en-US" dirty="0"/>
@@ -4683,7 +7703,7 @@
           </a:lstStyle>
           <a:p>
             <a:r>
-              <a:rPr lang="en-US" smtClean="0"/>
+              <a:rPr lang="en-US"/>
               <a:t>Click to edit Master title style</a:t>
             </a:r>
             <a:endParaRPr lang="en-US" dirty="0"/>
@@ -4742,35 +7762,35 @@
           <a:p>
             <a:pPr lvl="0"/>
             <a:r>
-              <a:rPr lang="en-US" smtClean="0"/>
+              <a:rPr lang="en-US"/>
               <a:t>Click to edit Master text styles</a:t>
             </a:r>
           </a:p>
           <a:p>
             <a:pPr lvl="1"/>
             <a:r>
-              <a:rPr lang="en-US" smtClean="0"/>
+              <a:rPr lang="en-US"/>
               <a:t>Second level</a:t>
             </a:r>
           </a:p>
           <a:p>
             <a:pPr lvl="2"/>
             <a:r>
-              <a:rPr lang="en-US" smtClean="0"/>
+              <a:rPr lang="en-US"/>
               <a:t>Third level</a:t>
             </a:r>
           </a:p>
           <a:p>
             <a:pPr lvl="3"/>
             <a:r>
-              <a:rPr lang="en-US" smtClean="0"/>
+              <a:rPr lang="en-US"/>
               <a:t>Fourth level</a:t>
             </a:r>
           </a:p>
           <a:p>
             <a:pPr lvl="4"/>
             <a:r>
-              <a:rPr lang="en-US" smtClean="0"/>
+              <a:rPr lang="en-US"/>
               <a:t>Fifth level</a:t>
             </a:r>
             <a:endParaRPr lang="en-US" dirty="0"/>
@@ -4836,7 +7856,7 @@
           <a:p>
             <a:pPr lvl="0"/>
             <a:r>
-              <a:rPr lang="en-US" smtClean="0"/>
+              <a:rPr lang="en-US"/>
               <a:t>Click to edit Master text styles</a:t>
             </a:r>
           </a:p>
@@ -4964,7 +7984,7 @@
           </a:lstStyle>
           <a:p>
             <a:r>
-              <a:rPr lang="en-US" smtClean="0"/>
+              <a:rPr lang="en-US"/>
               <a:t>Click to edit Master title style</a:t>
             </a:r>
             <a:endParaRPr lang="en-US" dirty="0"/>
@@ -5043,7 +8063,7 @@
           </a:lstStyle>
           <a:p>
             <a:r>
-              <a:rPr lang="en-US" smtClean="0"/>
+              <a:rPr lang="en-US"/>
               <a:t>Click icon to add picture</a:t>
             </a:r>
             <a:endParaRPr lang="en-US" dirty="0"/>
@@ -5111,7 +8131,7 @@
           <a:p>
             <a:pPr lvl="0"/>
             <a:r>
-              <a:rPr lang="en-US" smtClean="0"/>
+              <a:rPr lang="en-US"/>
               <a:t>Click to edit Master text styles</a:t>
             </a:r>
           </a:p>
@@ -5458,7 +8478,7 @@
           <a:lstStyle/>
           <a:p>
             <a:r>
-              <a:rPr lang="en-US" smtClean="0"/>
+              <a:rPr lang="en-US"/>
               <a:t>Click to edit Master title style</a:t>
             </a:r>
             <a:endParaRPr lang="en-US" dirty="0"/>
@@ -5492,35 +8512,35 @@
           <a:p>
             <a:pPr lvl="0"/>
             <a:r>
-              <a:rPr lang="en-US" smtClean="0"/>
+              <a:rPr lang="en-US"/>
               <a:t>Click to edit Master text styles</a:t>
             </a:r>
           </a:p>
           <a:p>
             <a:pPr lvl="1"/>
             <a:r>
-              <a:rPr lang="en-US" smtClean="0"/>
+              <a:rPr lang="en-US"/>
               <a:t>Second level</a:t>
             </a:r>
           </a:p>
           <a:p>
             <a:pPr lvl="2"/>
             <a:r>
-              <a:rPr lang="en-US" smtClean="0"/>
+              <a:rPr lang="en-US"/>
               <a:t>Third level</a:t>
             </a:r>
           </a:p>
           <a:p>
             <a:pPr lvl="3"/>
             <a:r>
-              <a:rPr lang="en-US" smtClean="0"/>
+              <a:rPr lang="en-US"/>
               <a:t>Fourth level</a:t>
             </a:r>
           </a:p>
           <a:p>
             <a:pPr lvl="4"/>
             <a:r>
-              <a:rPr lang="en-US" smtClean="0"/>
+              <a:rPr lang="en-US"/>
               <a:t>Fifth level</a:t>
             </a:r>
             <a:endParaRPr lang="en-US" dirty="0"/>
@@ -6112,10 +9132,9 @@
           <a:lstStyle/>
           <a:p>
             <a:r>
-              <a:rPr lang="en-US" dirty="0" smtClean="0"/>
+              <a:rPr lang="en-US" dirty="0"/>
               <a:t>R Optimization</a:t>
             </a:r>
-            <a:endParaRPr lang="en-US" dirty="0"/>
           </a:p>
         </p:txBody>
       </p:sp>
@@ -6143,55 +9162,55 @@
           <a:p>
             <a:pPr algn="l"/>
             <a:r>
-              <a:rPr lang="en-US" dirty="0" err="1" smtClean="0"/>
+              <a:rPr lang="en-US" dirty="0" err="1"/>
               <a:t>Yichen</a:t>
             </a:r>
             <a:r>
-              <a:rPr lang="en-US" dirty="0" smtClean="0"/>
+              <a:rPr lang="en-US" dirty="0"/>
               <a:t> Li</a:t>
             </a:r>
           </a:p>
           <a:p>
             <a:pPr algn="l"/>
             <a:r>
-              <a:rPr lang="en-US" dirty="0" smtClean="0"/>
+              <a:rPr lang="en-US" dirty="0"/>
               <a:t>Nicholas Smith</a:t>
             </a:r>
           </a:p>
           <a:p>
             <a:pPr algn="l"/>
             <a:r>
-              <a:rPr lang="en-US" dirty="0" smtClean="0"/>
+              <a:rPr lang="en-US" dirty="0"/>
               <a:t>Kyle </a:t>
             </a:r>
             <a:r>
-              <a:rPr lang="en-US" dirty="0" err="1" smtClean="0"/>
+              <a:rPr lang="en-US" dirty="0" err="1"/>
               <a:t>Wintermute</a:t>
             </a:r>
-            <a:endParaRPr lang="en-US" dirty="0" smtClean="0"/>
+            <a:endParaRPr lang="en-US" dirty="0"/>
           </a:p>
           <a:p>
             <a:pPr algn="l"/>
             <a:r>
-              <a:rPr lang="en-US" dirty="0" smtClean="0"/>
+              <a:rPr lang="en-US" dirty="0"/>
               <a:t>Jarred Prichard</a:t>
             </a:r>
           </a:p>
           <a:p>
             <a:pPr algn="l"/>
             <a:r>
-              <a:rPr lang="en-US" dirty="0" smtClean="0"/>
+              <a:rPr lang="en-US" dirty="0"/>
               <a:t>Hang Chen</a:t>
             </a:r>
           </a:p>
           <a:p>
             <a:pPr algn="l"/>
             <a:r>
-              <a:rPr lang="en-US" dirty="0" smtClean="0"/>
+              <a:rPr lang="en-US" dirty="0"/>
               <a:t>Benjamin </a:t>
             </a:r>
             <a:r>
-              <a:rPr lang="en-US" dirty="0" err="1" smtClean="0"/>
+              <a:rPr lang="en-US" dirty="0" err="1"/>
               <a:t>Bottorff</a:t>
             </a:r>
             <a:endParaRPr lang="en-US" dirty="0"/>
@@ -6244,10 +9263,9 @@
           <a:lstStyle/>
           <a:p>
             <a:r>
-              <a:rPr lang="en-US" dirty="0" smtClean="0"/>
-              <a:t>Project status</a:t>
-            </a:r>
-            <a:endParaRPr lang="en-US" dirty="0"/>
+              <a:rPr lang="en-US" dirty="0"/>
+              <a:t>Initial Goals</a:t>
+            </a:r>
           </a:p>
         </p:txBody>
       </p:sp>
@@ -6261,50 +9279,89 @@
             <p:ph idx="1"/>
           </p:nvPr>
         </p:nvSpPr>
-        <p:spPr/>
-        <p:txBody>
-          <a:bodyPr/>
+        <p:spPr>
+          <a:xfrm>
+            <a:off x="646111" y="1561382"/>
+            <a:ext cx="10464711" cy="5089584"/>
+          </a:xfrm>
+        </p:spPr>
+        <p:txBody>
+          <a:bodyPr>
+            <a:normAutofit/>
+          </a:bodyPr>
           <a:lstStyle/>
           <a:p>
-            <a:r>
-              <a:rPr lang="en-US" dirty="0" err="1" smtClean="0"/>
-              <a:t>Rcpp</a:t>
-            </a:r>
-            <a:r>
-              <a:rPr lang="en-US" dirty="0" smtClean="0"/>
-              <a:t> Armadillo had functions we could use</a:t>
-            </a:r>
-          </a:p>
-          <a:p>
-            <a:endParaRPr lang="en-US" dirty="0" smtClean="0"/>
-          </a:p>
-          <a:p>
-            <a:r>
-              <a:rPr lang="en-US" dirty="0" smtClean="0"/>
-              <a:t>Code has been refactored to utilize C++ functions</a:t>
-            </a:r>
-          </a:p>
-          <a:p>
-            <a:endParaRPr lang="en-US" dirty="0" smtClean="0"/>
-          </a:p>
-          <a:p>
-            <a:r>
-              <a:rPr lang="en-US" dirty="0" smtClean="0"/>
-              <a:t>Testing phase revealed new challenges to the project</a:t>
-            </a:r>
-          </a:p>
-          <a:p>
-            <a:pPr marL="0" indent="0">
-              <a:buNone/>
+            <a:pPr fontAlgn="base">
+              <a:lnSpc>
+                <a:spcPct val="200000"/>
+              </a:lnSpc>
             </a:pPr>
-            <a:endParaRPr lang="en-US" dirty="0"/>
+            <a:r>
+              <a:rPr lang="en-US" dirty="0"/>
+              <a:t>Optimized application should produce the same answer</a:t>
+            </a:r>
+          </a:p>
+          <a:p>
+            <a:pPr fontAlgn="base">
+              <a:lnSpc>
+                <a:spcPct val="200000"/>
+              </a:lnSpc>
+            </a:pPr>
+            <a:r>
+              <a:rPr lang="en-US" dirty="0"/>
+              <a:t>Targeted ~10% increase in speed</a:t>
+            </a:r>
+          </a:p>
+          <a:p>
+            <a:pPr fontAlgn="base">
+              <a:lnSpc>
+                <a:spcPct val="200000"/>
+              </a:lnSpc>
+            </a:pPr>
+            <a:r>
+              <a:rPr lang="en-US" dirty="0"/>
+              <a:t>The application shall expose all functionality to the R environment. </a:t>
+            </a:r>
+          </a:p>
+          <a:p>
+            <a:pPr fontAlgn="base">
+              <a:lnSpc>
+                <a:spcPct val="200000"/>
+              </a:lnSpc>
+            </a:pPr>
+            <a:r>
+              <a:rPr lang="en-US" dirty="0"/>
+              <a:t>Targeted x86/x64 </a:t>
+            </a:r>
+          </a:p>
+          <a:p>
+            <a:pPr fontAlgn="base">
+              <a:lnSpc>
+                <a:spcPct val="200000"/>
+              </a:lnSpc>
+            </a:pPr>
+            <a:r>
+              <a:rPr lang="en-US" dirty="0"/>
+              <a:t>No use of specific CPU/GPU features</a:t>
+            </a:r>
+          </a:p>
+          <a:p>
+            <a:pPr fontAlgn="base">
+              <a:lnSpc>
+                <a:spcPct val="200000"/>
+              </a:lnSpc>
+            </a:pPr>
+            <a:r>
+              <a:rPr lang="en-US" dirty="0"/>
+              <a:t>C++ should compile on standard compilers</a:t>
+            </a:r>
           </a:p>
         </p:txBody>
       </p:sp>
     </p:spTree>
     <p:extLst>
       <p:ext uri="{BB962C8B-B14F-4D97-AF65-F5344CB8AC3E}">
-        <p14:creationId xmlns:p14="http://schemas.microsoft.com/office/powerpoint/2010/main" val="3989987881"/>
+        <p14:creationId xmlns:p14="http://schemas.microsoft.com/office/powerpoint/2010/main" val="1977623240"/>
       </p:ext>
     </p:extLst>
   </p:cSld>
@@ -6347,63 +9404,108 @@
           <a:lstStyle/>
           <a:p>
             <a:r>
-              <a:rPr lang="en-US" dirty="0" err="1" smtClean="0"/>
+              <a:rPr lang="en-US" dirty="0"/>
+              <a:t>Initial Development</a:t>
+            </a:r>
+          </a:p>
+        </p:txBody>
+      </p:sp>
+      <p:sp>
+        <p:nvSpPr>
+          <p:cNvPr id="3" name="Content Placeholder 2"/>
+          <p:cNvSpPr>
+            <a:spLocks noGrp="1"/>
+          </p:cNvSpPr>
+          <p:nvPr>
+            <p:ph idx="1"/>
+          </p:nvPr>
+        </p:nvSpPr>
+        <p:spPr/>
+        <p:txBody>
+          <a:bodyPr>
+            <a:normAutofit lnSpcReduction="10000"/>
+          </a:bodyPr>
+          <a:lstStyle/>
+          <a:p>
+            <a:pPr>
+              <a:lnSpc>
+                <a:spcPct val="200000"/>
+              </a:lnSpc>
+            </a:pPr>
+            <a:r>
+              <a:rPr lang="en-US" dirty="0"/>
+              <a:t>Focused on converting R functions to C</a:t>
+            </a:r>
+          </a:p>
+          <a:p>
+            <a:pPr>
+              <a:lnSpc>
+                <a:spcPct val="200000"/>
+              </a:lnSpc>
+            </a:pPr>
+            <a:r>
+              <a:rPr lang="en-US" dirty="0"/>
+              <a:t>Chose </a:t>
+            </a:r>
+            <a:r>
+              <a:rPr lang="en-US" dirty="0" err="1"/>
               <a:t>Rcpp</a:t>
             </a:r>
             <a:r>
-              <a:rPr lang="en-US" dirty="0" smtClean="0"/>
-              <a:t> Armadillo</a:t>
-            </a:r>
-            <a:endParaRPr lang="en-US" dirty="0"/>
-          </a:p>
-        </p:txBody>
-      </p:sp>
-      <p:sp>
-        <p:nvSpPr>
-          <p:cNvPr id="3" name="Content Placeholder 2"/>
-          <p:cNvSpPr>
-            <a:spLocks noGrp="1"/>
-          </p:cNvSpPr>
-          <p:nvPr>
-            <p:ph idx="1"/>
-          </p:nvPr>
-        </p:nvSpPr>
-        <p:spPr/>
-        <p:txBody>
-          <a:bodyPr/>
-          <a:lstStyle/>
-          <a:p>
-            <a:r>
-              <a:rPr lang="en-US" dirty="0" smtClean="0"/>
-              <a:t>Utilization of C++ R library was successful</a:t>
-            </a:r>
-            <a:endParaRPr lang="en-US" dirty="0"/>
-          </a:p>
-          <a:p>
-            <a:endParaRPr lang="en-US" dirty="0" smtClean="0"/>
-          </a:p>
-          <a:p>
-            <a:r>
-              <a:rPr lang="en-US" dirty="0" smtClean="0"/>
-              <a:t>Performance increase was miniscule</a:t>
-            </a:r>
-          </a:p>
-          <a:p>
-            <a:endParaRPr lang="en-US" dirty="0"/>
-          </a:p>
-          <a:p>
-            <a:r>
-              <a:rPr lang="en-US" dirty="0" smtClean="0"/>
-              <a:t>~2-5% reduction in execution time</a:t>
-            </a:r>
-          </a:p>
-          <a:p>
-            <a:endParaRPr lang="en-US" dirty="0"/>
-          </a:p>
-          <a:p>
-            <a:r>
-              <a:rPr lang="en-US" dirty="0" smtClean="0"/>
-              <a:t>Function overhead</a:t>
+              <a:rPr lang="en-US" dirty="0"/>
+              <a:t> for R and C++ integration</a:t>
+            </a:r>
+          </a:p>
+          <a:p>
+            <a:pPr>
+              <a:lnSpc>
+                <a:spcPct val="200000"/>
+              </a:lnSpc>
+            </a:pPr>
+            <a:r>
+              <a:rPr lang="en-US" dirty="0"/>
+              <a:t>Chose </a:t>
+            </a:r>
+            <a:r>
+              <a:rPr lang="en-US" dirty="0" err="1"/>
+              <a:t>RcppArmadillo</a:t>
+            </a:r>
+            <a:r>
+              <a:rPr lang="en-US" dirty="0"/>
+              <a:t> for Matrix routine library</a:t>
+            </a:r>
+          </a:p>
+          <a:p>
+            <a:pPr lvl="1">
+              <a:lnSpc>
+                <a:spcPct val="200000"/>
+              </a:lnSpc>
+            </a:pPr>
+            <a:r>
+              <a:rPr lang="en-US" dirty="0"/>
+              <a:t>Provided near seamless integration for matrix operations</a:t>
+            </a:r>
+          </a:p>
+          <a:p>
+            <a:pPr lvl="1">
+              <a:lnSpc>
+                <a:spcPct val="200000"/>
+              </a:lnSpc>
+            </a:pPr>
+            <a:r>
+              <a:rPr lang="en-US" dirty="0"/>
+              <a:t>Lack of distribution functions may prove need to other library</a:t>
+            </a:r>
+          </a:p>
+          <a:p>
+            <a:pPr>
+              <a:lnSpc>
+                <a:spcPct val="200000"/>
+              </a:lnSpc>
+            </a:pPr>
+            <a:r>
+              <a:rPr lang="en-US" dirty="0"/>
+              <a:t>Initial testing showed little change to performance</a:t>
             </a:r>
           </a:p>
         </p:txBody>
@@ -6411,7 +9513,7 @@
     </p:spTree>
     <p:extLst>
       <p:ext uri="{BB962C8B-B14F-4D97-AF65-F5344CB8AC3E}">
-        <p14:creationId xmlns:p14="http://schemas.microsoft.com/office/powerpoint/2010/main" val="3831896852"/>
+        <p14:creationId xmlns:p14="http://schemas.microsoft.com/office/powerpoint/2010/main" val="3044969517"/>
       </p:ext>
     </p:extLst>
   </p:cSld>
@@ -6454,10 +9556,9 @@
           <a:lstStyle/>
           <a:p>
             <a:r>
-              <a:rPr lang="en-US" dirty="0" smtClean="0"/>
-              <a:t>Identifying high-cost functions</a:t>
-            </a:r>
-            <a:endParaRPr lang="en-US" dirty="0"/>
+              <a:rPr lang="en-US" dirty="0"/>
+              <a:t>Current Project Status</a:t>
+            </a:r>
           </a:p>
         </p:txBody>
       </p:sp>
@@ -6471,32 +9572,98 @@
             <p:ph idx="1"/>
           </p:nvPr>
         </p:nvSpPr>
-        <p:spPr/>
+        <p:spPr>
+          <a:xfrm>
+            <a:off x="1103312" y="2052918"/>
+            <a:ext cx="8946541" cy="4554916"/>
+          </a:xfrm>
+        </p:spPr>
         <p:txBody>
           <a:bodyPr/>
           <a:lstStyle/>
           <a:p>
             <a:r>
-              <a:rPr lang="en-US" dirty="0" smtClean="0"/>
-              <a:t>FT functions</a:t>
-            </a:r>
-          </a:p>
-          <a:p>
+              <a:rPr lang="en-US" dirty="0"/>
+              <a:t>We have converted most R functions to C++</a:t>
+            </a:r>
+          </a:p>
+          <a:p>
+            <a:pPr lvl="1"/>
+            <a:r>
+              <a:rPr lang="en-US" dirty="0"/>
+              <a:t>Two different approaches</a:t>
+            </a:r>
+          </a:p>
+          <a:p>
+            <a:pPr lvl="1"/>
             <a:endParaRPr lang="en-US" dirty="0"/>
           </a:p>
           <a:p>
             <a:r>
-              <a:rPr lang="en-US" dirty="0" smtClean="0"/>
-              <a:t>Euler par for loops</a:t>
-            </a:r>
+              <a:rPr lang="en-US" dirty="0" err="1"/>
+              <a:t>ft</a:t>
+            </a:r>
+            <a:r>
+              <a:rPr lang="en-US" dirty="0"/>
+              <a:t>() and </a:t>
+            </a:r>
+            <a:r>
+              <a:rPr lang="en-US" dirty="0" err="1"/>
+              <a:t>euler_par</a:t>
+            </a:r>
+            <a:r>
+              <a:rPr lang="en-US" dirty="0"/>
+              <a:t>() were left in R along with misc. variables</a:t>
+            </a:r>
+          </a:p>
+          <a:p>
+            <a:pPr lvl="1"/>
+            <a:r>
+              <a:rPr lang="en-US" dirty="0"/>
+              <a:t>Could convert to C++, but would require more time</a:t>
+            </a:r>
+          </a:p>
+          <a:p>
+            <a:pPr lvl="1"/>
+            <a:r>
+              <a:rPr lang="en-US" dirty="0" err="1"/>
+              <a:t>ft</a:t>
+            </a:r>
+            <a:r>
+              <a:rPr lang="en-US" dirty="0"/>
+              <a:t>() to C++ may lose some flexibility with defining input in R</a:t>
+            </a:r>
+            <a:br>
+              <a:rPr lang="en-US" dirty="0"/>
+            </a:br>
             <a:endParaRPr lang="en-US" dirty="0"/>
+          </a:p>
+          <a:p>
+            <a:r>
+              <a:rPr lang="en-US" dirty="0"/>
+              <a:t>Parallelized version with no C++ code</a:t>
+            </a:r>
+          </a:p>
+          <a:p>
+            <a:pPr lvl="1"/>
+            <a:r>
+              <a:rPr lang="en-US" dirty="0"/>
+              <a:t>Initial issue with C++ and parallelization</a:t>
+            </a:r>
+          </a:p>
+          <a:p>
+            <a:pPr lvl="1"/>
+            <a:r>
+              <a:rPr lang="en-US" dirty="0"/>
+              <a:t>Should be able to overcome</a:t>
+            </a:r>
           </a:p>
         </p:txBody>
       </p:sp>
     </p:spTree>
     <p:extLst>
       <p:ext uri="{BB962C8B-B14F-4D97-AF65-F5344CB8AC3E}">
-        <p14:creationId xmlns:p14="http://schemas.microsoft.com/office/powerpoint/2010/main" val="1186604228"/>
+        <p14:creationId xmlns:p14="http://schemas.microsoft.com/office/powerpoint/2010/main" val="3989987881"/>
       </p:ext>
     </p:extLst>
   </p:cSld>
@@ -6539,82 +9706,157 @@
           <a:lstStyle/>
           <a:p>
             <a:r>
-              <a:rPr lang="en-US" dirty="0" smtClean="0"/>
-              <a:t>Plans for the future</a:t>
-            </a:r>
+              <a:rPr lang="en-US" dirty="0"/>
+              <a:t>Approach 1 – C++ Conversion</a:t>
+            </a:r>
+          </a:p>
+        </p:txBody>
+      </p:sp>
+      <p:sp>
+        <p:nvSpPr>
+          <p:cNvPr id="3" name="Content Placeholder 2"/>
+          <p:cNvSpPr>
+            <a:spLocks noGrp="1"/>
+          </p:cNvSpPr>
+          <p:nvPr>
+            <p:ph idx="1"/>
+          </p:nvPr>
+        </p:nvSpPr>
+        <p:spPr>
+          <a:xfrm>
+            <a:off x="646111" y="1351111"/>
+            <a:ext cx="5038697" cy="4805082"/>
+          </a:xfrm>
+        </p:spPr>
+        <p:txBody>
+          <a:bodyPr>
+            <a:normAutofit/>
+          </a:bodyPr>
+          <a:lstStyle/>
+          <a:p>
+            <a:r>
+              <a:rPr lang="en-US" dirty="0"/>
+              <a:t>Called C++ Armadillo functions directly in R functions</a:t>
+            </a:r>
+          </a:p>
+          <a:p>
             <a:endParaRPr lang="en-US" dirty="0"/>
           </a:p>
-        </p:txBody>
-      </p:sp>
-      <p:sp>
-        <p:nvSpPr>
-          <p:cNvPr id="3" name="Content Placeholder 2"/>
-          <p:cNvSpPr>
-            <a:spLocks noGrp="1"/>
-          </p:cNvSpPr>
-          <p:nvPr>
-            <p:ph idx="1"/>
-          </p:nvPr>
-        </p:nvSpPr>
-        <p:spPr/>
-        <p:txBody>
-          <a:bodyPr/>
+          <a:p>
+            <a:endParaRPr lang="en-US" dirty="0"/>
+          </a:p>
+          <a:p>
+            <a:endParaRPr lang="en-US" dirty="0"/>
+          </a:p>
+          <a:p>
+            <a:endParaRPr lang="en-US" dirty="0"/>
+          </a:p>
+          <a:p>
+            <a:r>
+              <a:rPr lang="en-US" dirty="0"/>
+              <a:t>Very little benefit measured</a:t>
+            </a:r>
+          </a:p>
+          <a:p>
+            <a:endParaRPr lang="en-US" dirty="0"/>
+          </a:p>
+          <a:p>
+            <a:r>
+              <a:rPr lang="en-US" dirty="0"/>
+              <a:t>Possible Reasons:</a:t>
+            </a:r>
+          </a:p>
+          <a:p>
+            <a:pPr lvl="1"/>
+            <a:r>
+              <a:rPr lang="en-US" dirty="0"/>
+              <a:t>Doesn’t target heavily used portion of code</a:t>
+            </a:r>
+          </a:p>
+          <a:p>
+            <a:endParaRPr lang="en-US" dirty="0"/>
+          </a:p>
+          <a:p>
+            <a:endParaRPr lang="en-US" dirty="0"/>
+          </a:p>
+          <a:p>
+            <a:endParaRPr lang="en-US" dirty="0"/>
+          </a:p>
+        </p:txBody>
+      </p:sp>
+      <p:pic>
+        <p:nvPicPr>
+          <p:cNvPr id="4" name="Picture 3"/>
+          <p:cNvPicPr>
+            <a:picLocks noChangeAspect="1"/>
+          </p:cNvPicPr>
+          <p:nvPr/>
+        </p:nvPicPr>
+        <p:blipFill rotWithShape="1">
+          <a:blip r:embed="rId2"/>
+          <a:srcRect r="20549"/>
+          <a:stretch/>
+        </p:blipFill>
+        <p:spPr>
+          <a:xfrm>
+            <a:off x="646111" y="2204495"/>
+            <a:ext cx="4926553" cy="1200150"/>
+          </a:xfrm>
+          <a:prstGeom prst="rect">
+            <a:avLst/>
+          </a:prstGeom>
+        </p:spPr>
+      </p:pic>
+      <p:graphicFrame>
+        <p:nvGraphicFramePr>
+          <p:cNvPr id="5" name="Chart 4"/>
+          <p:cNvGraphicFramePr>
+            <a:graphicFrameLocks/>
+          </p:cNvGraphicFramePr>
+          <p:nvPr>
+            <p:extLst>
+              <p:ext uri="{D42A27DB-BD31-4B8C-83A1-F6EECF244321}">
+                <p14:modId xmlns:p14="http://schemas.microsoft.com/office/powerpoint/2010/main" val="483601859"/>
+              </p:ext>
+            </p:extLst>
+          </p:nvPr>
+        </p:nvGraphicFramePr>
+        <p:xfrm>
+          <a:off x="5771877" y="1351111"/>
+          <a:ext cx="6107685" cy="4687379"/>
+        </p:xfrm>
+        <a:graphic>
+          <a:graphicData uri="http://schemas.openxmlformats.org/drawingml/2006/chart">
+            <c:chart xmlns:c="http://schemas.openxmlformats.org/drawingml/2006/chart" xmlns:r="http://schemas.openxmlformats.org/officeDocument/2006/relationships" r:id="rId3"/>
+          </a:graphicData>
+        </a:graphic>
+      </p:graphicFrame>
+      <p:sp>
+        <p:nvSpPr>
+          <p:cNvPr id="7" name="TextBox 6"/>
+          <p:cNvSpPr txBox="1"/>
+          <p:nvPr/>
+        </p:nvSpPr>
+        <p:spPr>
+          <a:xfrm>
+            <a:off x="5771877" y="6112738"/>
+            <a:ext cx="6107685" cy="276999"/>
+          </a:xfrm>
+          <a:prstGeom prst="rect">
+            <a:avLst/>
+          </a:prstGeom>
+          <a:noFill/>
+        </p:spPr>
+        <p:txBody>
+          <a:bodyPr wrap="square" rtlCol="0">
+            <a:spAutoFit/>
+          </a:bodyPr>
           <a:lstStyle/>
           <a:p>
-            <a:r>
-              <a:rPr lang="en-US" dirty="0" smtClean="0"/>
-              <a:t>Parallelization</a:t>
-            </a:r>
-          </a:p>
-          <a:p>
-            <a:pPr lvl="1"/>
-            <a:r>
-              <a:rPr lang="en-US" dirty="0" smtClean="0"/>
-              <a:t>Initial attempts resulted in ~60% decrease in execution time</a:t>
-            </a:r>
-          </a:p>
-          <a:p>
-            <a:pPr lvl="1"/>
-            <a:endParaRPr lang="en-US" dirty="0"/>
-          </a:p>
-          <a:p>
-            <a:r>
-              <a:rPr lang="en-US" dirty="0" smtClean="0"/>
-              <a:t>Reverse engineering FT function</a:t>
-            </a:r>
-          </a:p>
-          <a:p>
-            <a:endParaRPr lang="en-US" dirty="0"/>
-          </a:p>
-          <a:p>
-            <a:r>
-              <a:rPr lang="en-US" dirty="0" smtClean="0"/>
-              <a:t>Reducing </a:t>
-            </a:r>
-            <a:r>
-              <a:rPr lang="en-US" dirty="0" err="1" smtClean="0"/>
-              <a:t>Rcpp</a:t>
-            </a:r>
-            <a:r>
-              <a:rPr lang="en-US" dirty="0" smtClean="0"/>
-              <a:t> overhead by consolidating function calls</a:t>
-            </a:r>
-          </a:p>
-          <a:p>
-            <a:endParaRPr lang="en-US" dirty="0"/>
-          </a:p>
-          <a:p>
-            <a:r>
-              <a:rPr lang="en-US" dirty="0" smtClean="0"/>
-              <a:t>Remove </a:t>
-            </a:r>
-            <a:r>
-              <a:rPr lang="en-US" dirty="0" err="1" smtClean="0"/>
-              <a:t>Rcpp</a:t>
-            </a:r>
-            <a:r>
-              <a:rPr lang="en-US" dirty="0" smtClean="0"/>
-              <a:t> library compilation at runtime</a:t>
+            <a:pPr algn="ctr"/>
+            <a:r>
+              <a:rPr lang="en-US" sz="1200" dirty="0"/>
+              <a:t>Benchmark of test code received on 3/26 run with single core on 4Ghz desktop</a:t>
             </a:r>
           </a:p>
         </p:txBody>
@@ -6622,7 +9864,7 @@
     </p:spTree>
     <p:extLst>
       <p:ext uri="{BB962C8B-B14F-4D97-AF65-F5344CB8AC3E}">
-        <p14:creationId xmlns:p14="http://schemas.microsoft.com/office/powerpoint/2010/main" val="3353678648"/>
+        <p14:creationId xmlns:p14="http://schemas.microsoft.com/office/powerpoint/2010/main" val="4150462222"/>
       </p:ext>
     </p:extLst>
   </p:cSld>
@@ -6665,68 +9907,161 @@
           <a:lstStyle/>
           <a:p>
             <a:r>
-              <a:rPr lang="en-US" dirty="0" smtClean="0"/>
-              <a:t>Benchmarks</a:t>
-            </a:r>
+              <a:rPr lang="en-US" dirty="0"/>
+              <a:t>Approach 2 – C++ Conversion</a:t>
+            </a:r>
+          </a:p>
+        </p:txBody>
+      </p:sp>
+      <p:sp>
+        <p:nvSpPr>
+          <p:cNvPr id="3" name="Content Placeholder 2"/>
+          <p:cNvSpPr>
+            <a:spLocks noGrp="1"/>
+          </p:cNvSpPr>
+          <p:nvPr>
+            <p:ph idx="1"/>
+          </p:nvPr>
+        </p:nvSpPr>
+        <p:spPr>
+          <a:xfrm>
+            <a:off x="646111" y="1708031"/>
+            <a:ext cx="3891383" cy="5046452"/>
+          </a:xfrm>
+        </p:spPr>
+        <p:txBody>
+          <a:bodyPr>
+            <a:normAutofit/>
+          </a:bodyPr>
+          <a:lstStyle/>
+          <a:p>
+            <a:r>
+              <a:rPr lang="en-US" dirty="0"/>
+              <a:t>Tried to write most of the function in C++ to minimize R -&gt; C++ -&gt; R</a:t>
+            </a:r>
+          </a:p>
+          <a:p>
             <a:endParaRPr lang="en-US" dirty="0"/>
           </a:p>
-        </p:txBody>
-      </p:sp>
-      <p:sp>
-        <p:nvSpPr>
-          <p:cNvPr id="3" name="Content Placeholder 2"/>
-          <p:cNvSpPr>
-            <a:spLocks noGrp="1"/>
-          </p:cNvSpPr>
-          <p:nvPr>
-            <p:ph idx="1"/>
-          </p:nvPr>
-        </p:nvSpPr>
-        <p:spPr/>
-        <p:txBody>
-          <a:bodyPr/>
+          <a:p>
+            <a:pPr marL="0" indent="0">
+              <a:buNone/>
+            </a:pPr>
+            <a:br>
+              <a:rPr lang="en-US" dirty="0"/>
+            </a:br>
+            <a:endParaRPr lang="en-US" dirty="0"/>
+          </a:p>
+          <a:p>
+            <a:r>
+              <a:rPr lang="en-US" dirty="0"/>
+              <a:t>Had to work around lack of </a:t>
+            </a:r>
+            <a:r>
+              <a:rPr lang="en-US" dirty="0" err="1"/>
+              <a:t>ft</a:t>
+            </a:r>
+            <a:r>
+              <a:rPr lang="en-US" dirty="0"/>
+              <a:t>() function in C++</a:t>
+            </a:r>
+            <a:br>
+              <a:rPr lang="en-US" dirty="0"/>
+            </a:br>
+            <a:endParaRPr lang="en-US" dirty="0"/>
+          </a:p>
+          <a:p>
+            <a:r>
+              <a:rPr lang="en-US" dirty="0"/>
+              <a:t>Also doesn’t target heavy portion of code</a:t>
+            </a:r>
+            <a:br>
+              <a:rPr lang="en-US" dirty="0"/>
+            </a:br>
+            <a:endParaRPr lang="en-US" dirty="0"/>
+          </a:p>
+          <a:p>
+            <a:r>
+              <a:rPr lang="en-US" dirty="0"/>
+              <a:t>Negative impact</a:t>
+            </a:r>
+          </a:p>
+        </p:txBody>
+      </p:sp>
+      <p:graphicFrame>
+        <p:nvGraphicFramePr>
+          <p:cNvPr id="6" name="Chart 5"/>
+          <p:cNvGraphicFramePr>
+            <a:graphicFrameLocks/>
+          </p:cNvGraphicFramePr>
+          <p:nvPr>
+            <p:extLst>
+              <p:ext uri="{D42A27DB-BD31-4B8C-83A1-F6EECF244321}">
+                <p14:modId xmlns:p14="http://schemas.microsoft.com/office/powerpoint/2010/main" val="3019984038"/>
+              </p:ext>
+            </p:extLst>
+          </p:nvPr>
+        </p:nvGraphicFramePr>
+        <p:xfrm>
+          <a:off x="4790743" y="1723683"/>
+          <a:ext cx="7205723" cy="4323434"/>
+        </p:xfrm>
+        <a:graphic>
+          <a:graphicData uri="http://schemas.openxmlformats.org/drawingml/2006/chart">
+            <c:chart xmlns:c="http://schemas.openxmlformats.org/drawingml/2006/chart" xmlns:r="http://schemas.openxmlformats.org/officeDocument/2006/relationships" r:id="rId2"/>
+          </a:graphicData>
+        </a:graphic>
+      </p:graphicFrame>
+      <p:pic>
+        <p:nvPicPr>
+          <p:cNvPr id="4" name="Picture 3"/>
+          <p:cNvPicPr>
+            <a:picLocks noChangeAspect="1"/>
+          </p:cNvPicPr>
+          <p:nvPr/>
+        </p:nvPicPr>
+        <p:blipFill>
+          <a:blip r:embed="rId3"/>
+          <a:stretch>
+            <a:fillRect/>
+          </a:stretch>
+        </p:blipFill>
+        <p:spPr>
+          <a:xfrm>
+            <a:off x="758239" y="2835581"/>
+            <a:ext cx="3667125" cy="800100"/>
+          </a:xfrm>
+          <a:prstGeom prst="rect">
+            <a:avLst/>
+          </a:prstGeom>
+        </p:spPr>
+      </p:pic>
+      <p:sp>
+        <p:nvSpPr>
+          <p:cNvPr id="5" name="TextBox 4"/>
+          <p:cNvSpPr txBox="1"/>
+          <p:nvPr/>
+        </p:nvSpPr>
+        <p:spPr>
+          <a:xfrm>
+            <a:off x="4790743" y="6107502"/>
+            <a:ext cx="7205723" cy="276999"/>
+          </a:xfrm>
+          <a:prstGeom prst="rect">
+            <a:avLst/>
+          </a:prstGeom>
+          <a:noFill/>
+        </p:spPr>
+        <p:txBody>
+          <a:bodyPr wrap="square" rtlCol="0">
+            <a:spAutoFit/>
+          </a:bodyPr>
           <a:lstStyle/>
           <a:p>
-            <a:r>
-              <a:rPr lang="en-US" dirty="0" smtClean="0"/>
-              <a:t>Baseline execution time</a:t>
-            </a:r>
-          </a:p>
-          <a:p>
-            <a:pPr lvl="1"/>
-            <a:r>
-              <a:rPr lang="en-US" dirty="0" smtClean="0"/>
-              <a:t>1080.32 s (100%)</a:t>
-            </a:r>
-          </a:p>
-          <a:p>
-            <a:r>
-              <a:rPr lang="en-US" dirty="0" err="1" smtClean="0"/>
-              <a:t>Rcpp</a:t>
-            </a:r>
-            <a:r>
-              <a:rPr lang="en-US" dirty="0" smtClean="0"/>
-              <a:t> Armadillo execution time</a:t>
-            </a:r>
-          </a:p>
-          <a:p>
-            <a:pPr lvl="1"/>
-            <a:r>
-              <a:rPr lang="en-US" dirty="0" smtClean="0"/>
-              <a:t>1060.22 s (98%)</a:t>
-            </a:r>
-          </a:p>
-          <a:p>
-            <a:r>
-              <a:rPr lang="en-US" dirty="0" smtClean="0"/>
-              <a:t>Parallelized code execution time</a:t>
-            </a:r>
-          </a:p>
-          <a:p>
-            <a:pPr lvl="1"/>
-            <a:r>
-              <a:rPr lang="en-US" dirty="0" smtClean="0"/>
-              <a:t>349.98 s (32%)</a:t>
+            <a:pPr algn="ctr"/>
+            <a:r>
+              <a:rPr lang="en-US" sz="1200" dirty="0"/>
+              <a:t>Benchmark of test code received on 3/28. Run using single core with 2.3Ghz laptop</a:t>
             </a:r>
           </a:p>
         </p:txBody>
@@ -6734,7 +10069,267 @@
     </p:spTree>
     <p:extLst>
       <p:ext uri="{BB962C8B-B14F-4D97-AF65-F5344CB8AC3E}">
-        <p14:creationId xmlns:p14="http://schemas.microsoft.com/office/powerpoint/2010/main" val="3053111845"/>
+        <p14:creationId xmlns:p14="http://schemas.microsoft.com/office/powerpoint/2010/main" val="3026164879"/>
+      </p:ext>
+    </p:extLst>
+  </p:cSld>
+  <p:clrMapOvr>
+    <a:masterClrMapping/>
+  </p:clrMapOvr>
+</p:sld>
+</file>
+
+<file path=ppt/slides/slide7.xml><?xml version="1.0" encoding="utf-8"?>
+<p:sld xmlns:a="http://schemas.openxmlformats.org/drawingml/2006/main" xmlns:r="http://schemas.openxmlformats.org/officeDocument/2006/relationships" xmlns:p="http://schemas.openxmlformats.org/presentationml/2006/main">
+  <p:cSld>
+    <p:spTree>
+      <p:nvGrpSpPr>
+        <p:cNvPr id="1" name=""/>
+        <p:cNvGrpSpPr/>
+        <p:nvPr/>
+      </p:nvGrpSpPr>
+      <p:grpSpPr>
+        <a:xfrm>
+          <a:off x="0" y="0"/>
+          <a:ext cx="0" cy="0"/>
+          <a:chOff x="0" y="0"/>
+          <a:chExt cx="0" cy="0"/>
+        </a:xfrm>
+      </p:grpSpPr>
+      <p:sp>
+        <p:nvSpPr>
+          <p:cNvPr id="2" name="Title 1"/>
+          <p:cNvSpPr>
+            <a:spLocks noGrp="1"/>
+          </p:cNvSpPr>
+          <p:nvPr>
+            <p:ph type="title"/>
+          </p:nvPr>
+        </p:nvSpPr>
+        <p:spPr/>
+        <p:txBody>
+          <a:bodyPr/>
+          <a:lstStyle/>
+          <a:p>
+            <a:r>
+              <a:rPr lang="en-US" dirty="0"/>
+              <a:t>Only Parallelization - Performance</a:t>
+            </a:r>
+          </a:p>
+        </p:txBody>
+      </p:sp>
+      <p:sp>
+        <p:nvSpPr>
+          <p:cNvPr id="3" name="Content Placeholder 2"/>
+          <p:cNvSpPr>
+            <a:spLocks noGrp="1"/>
+          </p:cNvSpPr>
+          <p:nvPr>
+            <p:ph idx="1"/>
+          </p:nvPr>
+        </p:nvSpPr>
+        <p:spPr>
+          <a:xfrm>
+            <a:off x="646111" y="1853248"/>
+            <a:ext cx="4046658" cy="4469913"/>
+          </a:xfrm>
+        </p:spPr>
+        <p:txBody>
+          <a:bodyPr>
+            <a:normAutofit/>
+          </a:bodyPr>
+          <a:lstStyle/>
+          <a:p>
+            <a:r>
+              <a:rPr lang="en-US" dirty="0"/>
+              <a:t>~45% reduction with 2 cores</a:t>
+            </a:r>
+          </a:p>
+          <a:p>
+            <a:endParaRPr lang="en-US" dirty="0"/>
+          </a:p>
+          <a:p>
+            <a:r>
+              <a:rPr lang="en-US" dirty="0"/>
+              <a:t>~68% reduction with 4 cores</a:t>
+            </a:r>
+          </a:p>
+          <a:p>
+            <a:endParaRPr lang="en-US" dirty="0"/>
+          </a:p>
+          <a:p>
+            <a:r>
+              <a:rPr lang="en-US" dirty="0"/>
+              <a:t>Recorded on 2.3Ghz laptop</a:t>
+            </a:r>
+          </a:p>
+          <a:p>
+            <a:endParaRPr lang="en-US" dirty="0"/>
+          </a:p>
+          <a:p>
+            <a:r>
+              <a:rPr lang="en-US" dirty="0"/>
+              <a:t>6 cores put system around 100% utilization; may begin to compete for compute time</a:t>
+            </a:r>
+          </a:p>
+        </p:txBody>
+      </p:sp>
+      <p:graphicFrame>
+        <p:nvGraphicFramePr>
+          <p:cNvPr id="4" name="Chart 3"/>
+          <p:cNvGraphicFramePr>
+            <a:graphicFrameLocks/>
+          </p:cNvGraphicFramePr>
+          <p:nvPr>
+            <p:extLst>
+              <p:ext uri="{D42A27DB-BD31-4B8C-83A1-F6EECF244321}">
+                <p14:modId xmlns:p14="http://schemas.microsoft.com/office/powerpoint/2010/main" val="3323500877"/>
+              </p:ext>
+            </p:extLst>
+          </p:nvPr>
+        </p:nvGraphicFramePr>
+        <p:xfrm>
+          <a:off x="4609128" y="1500261"/>
+          <a:ext cx="7360475" cy="4748138"/>
+        </p:xfrm>
+        <a:graphic>
+          <a:graphicData uri="http://schemas.openxmlformats.org/drawingml/2006/chart">
+            <c:chart xmlns:c="http://schemas.openxmlformats.org/drawingml/2006/chart" xmlns:r="http://schemas.openxmlformats.org/officeDocument/2006/relationships" r:id="rId2"/>
+          </a:graphicData>
+        </a:graphic>
+      </p:graphicFrame>
+    </p:spTree>
+    <p:extLst>
+      <p:ext uri="{BB962C8B-B14F-4D97-AF65-F5344CB8AC3E}">
+        <p14:creationId xmlns:p14="http://schemas.microsoft.com/office/powerpoint/2010/main" val="1224863691"/>
+      </p:ext>
+    </p:extLst>
+  </p:cSld>
+  <p:clrMapOvr>
+    <a:masterClrMapping/>
+  </p:clrMapOvr>
+</p:sld>
+</file>
+
+<file path=ppt/slides/slide8.xml><?xml version="1.0" encoding="utf-8"?>
+<p:sld xmlns:a="http://schemas.openxmlformats.org/drawingml/2006/main" xmlns:r="http://schemas.openxmlformats.org/officeDocument/2006/relationships" xmlns:p="http://schemas.openxmlformats.org/presentationml/2006/main">
+  <p:cSld>
+    <p:spTree>
+      <p:nvGrpSpPr>
+        <p:cNvPr id="1" name=""/>
+        <p:cNvGrpSpPr/>
+        <p:nvPr/>
+      </p:nvGrpSpPr>
+      <p:grpSpPr>
+        <a:xfrm>
+          <a:off x="0" y="0"/>
+          <a:ext cx="0" cy="0"/>
+          <a:chOff x="0" y="0"/>
+          <a:chExt cx="0" cy="0"/>
+        </a:xfrm>
+      </p:grpSpPr>
+      <p:sp>
+        <p:nvSpPr>
+          <p:cNvPr id="2" name="Title 1"/>
+          <p:cNvSpPr>
+            <a:spLocks noGrp="1"/>
+          </p:cNvSpPr>
+          <p:nvPr>
+            <p:ph type="title"/>
+          </p:nvPr>
+        </p:nvSpPr>
+        <p:spPr/>
+        <p:txBody>
+          <a:bodyPr/>
+          <a:lstStyle/>
+          <a:p>
+            <a:r>
+              <a:rPr lang="en-US" dirty="0"/>
+              <a:t>Conclusion &amp; Plans for the Future</a:t>
+            </a:r>
+          </a:p>
+        </p:txBody>
+      </p:sp>
+      <p:sp>
+        <p:nvSpPr>
+          <p:cNvPr id="3" name="Content Placeholder 2"/>
+          <p:cNvSpPr>
+            <a:spLocks noGrp="1"/>
+          </p:cNvSpPr>
+          <p:nvPr>
+            <p:ph idx="1"/>
+          </p:nvPr>
+        </p:nvSpPr>
+        <p:spPr>
+          <a:xfrm>
+            <a:off x="1103312" y="2052918"/>
+            <a:ext cx="10102401" cy="4195481"/>
+          </a:xfrm>
+        </p:spPr>
+        <p:txBody>
+          <a:bodyPr/>
+          <a:lstStyle/>
+          <a:p>
+            <a:r>
+              <a:rPr lang="en-US" dirty="0"/>
+              <a:t>Remove </a:t>
+            </a:r>
+            <a:r>
+              <a:rPr lang="en-US" dirty="0" err="1"/>
+              <a:t>Rcpp</a:t>
+            </a:r>
+            <a:r>
+              <a:rPr lang="en-US" dirty="0"/>
+              <a:t> library compilation at runtime</a:t>
+            </a:r>
+          </a:p>
+          <a:p>
+            <a:pPr lvl="1"/>
+            <a:r>
+              <a:rPr lang="en-US" dirty="0"/>
+              <a:t>Easily done; but would need to generate library files for desired platforms</a:t>
+            </a:r>
+          </a:p>
+          <a:p>
+            <a:endParaRPr lang="en-US" dirty="0"/>
+          </a:p>
+          <a:p>
+            <a:r>
+              <a:rPr lang="en-US" dirty="0"/>
+              <a:t>C++ conversion of </a:t>
+            </a:r>
+            <a:r>
+              <a:rPr lang="en-US" dirty="0" err="1"/>
+              <a:t>euler_par</a:t>
+            </a:r>
+            <a:r>
+              <a:rPr lang="en-US" dirty="0"/>
+              <a:t>() and possibly </a:t>
+            </a:r>
+            <a:r>
+              <a:rPr lang="en-US" dirty="0" err="1"/>
+              <a:t>ft</a:t>
+            </a:r>
+            <a:r>
+              <a:rPr lang="en-US" dirty="0"/>
+              <a:t>()</a:t>
+            </a:r>
+          </a:p>
+          <a:p>
+            <a:endParaRPr lang="en-US" dirty="0"/>
+          </a:p>
+          <a:p>
+            <a:r>
+              <a:rPr lang="en-US" dirty="0"/>
+              <a:t>Mixing C++ and Parallelization</a:t>
+            </a:r>
+          </a:p>
+        </p:txBody>
+      </p:sp>
+    </p:spTree>
+    <p:extLst>
+      <p:ext uri="{BB962C8B-B14F-4D97-AF65-F5344CB8AC3E}">
+        <p14:creationId xmlns:p14="http://schemas.microsoft.com/office/powerpoint/2010/main" val="3353678648"/>
       </p:ext>
     </p:extLst>
   </p:cSld>
